--- a/自步学习/自步学习-ASPC-DA.pptx
+++ b/自步学习/自步学习-ASPC-DA.pptx
@@ -5,18 +5,16 @@
     <p:sldMasterId id="2147483648" r:id="rId1"/>
   </p:sldMasterIdLst>
   <p:notesMasterIdLst>
-    <p:notesMasterId r:id="rId11"/>
+    <p:notesMasterId r:id="rId9"/>
   </p:notesMasterIdLst>
   <p:sldIdLst>
-    <p:sldId id="258" r:id="rId2"/>
-    <p:sldId id="261" r:id="rId3"/>
-    <p:sldId id="256" r:id="rId4"/>
-    <p:sldId id="271" r:id="rId5"/>
-    <p:sldId id="266" r:id="rId6"/>
-    <p:sldId id="268" r:id="rId7"/>
-    <p:sldId id="269" r:id="rId8"/>
-    <p:sldId id="272" r:id="rId9"/>
-    <p:sldId id="270" r:id="rId10"/>
+    <p:sldId id="256" r:id="rId2"/>
+    <p:sldId id="271" r:id="rId3"/>
+    <p:sldId id="266" r:id="rId4"/>
+    <p:sldId id="268" r:id="rId5"/>
+    <p:sldId id="269" r:id="rId6"/>
+    <p:sldId id="272" r:id="rId7"/>
+    <p:sldId id="270" r:id="rId8"/>
   </p:sldIdLst>
   <p:sldSz cx="12192000" cy="6858000"/>
   <p:notesSz cx="6858000" cy="9144000"/>
@@ -205,7 +203,7 @@
           <a:p>
             <a:fld id="{9F144906-3EB9-431F-BF5D-D0FF6BEE3439}" type="datetimeFigureOut">
               <a:rPr lang="zh-CN" altLang="en-US" smtClean="0"/>
-              <a:t>2022-04-23</a:t>
+              <a:t>2024/3/21</a:t>
             </a:fld>
             <a:endParaRPr lang="zh-CN" altLang="en-US"/>
           </a:p>
@@ -537,7 +535,7 @@
           <a:p>
             <a:fld id="{C6208189-5A45-44AD-B90D-968E09F3CBA2}" type="slidenum">
               <a:rPr lang="zh-CN" altLang="en-US" smtClean="0"/>
-              <a:t>5</a:t>
+              <a:t>3</a:t>
             </a:fld>
             <a:endParaRPr lang="zh-CN" altLang="en-US"/>
           </a:p>
@@ -703,7 +701,7 @@
           <a:p>
             <a:fld id="{5C20BCC6-630E-4FA6-8CFA-77975435A6F4}" type="datetimeFigureOut">
               <a:rPr lang="zh-CN" altLang="en-US" smtClean="0"/>
-              <a:t>2022-04-23</a:t>
+              <a:t>2024/3/21</a:t>
             </a:fld>
             <a:endParaRPr lang="zh-CN" altLang="en-US"/>
           </a:p>
@@ -901,7 +899,7 @@
           <a:p>
             <a:fld id="{5C20BCC6-630E-4FA6-8CFA-77975435A6F4}" type="datetimeFigureOut">
               <a:rPr lang="zh-CN" altLang="en-US" smtClean="0"/>
-              <a:t>2022-04-23</a:t>
+              <a:t>2024/3/21</a:t>
             </a:fld>
             <a:endParaRPr lang="zh-CN" altLang="en-US"/>
           </a:p>
@@ -1109,7 +1107,7 @@
           <a:p>
             <a:fld id="{5C20BCC6-630E-4FA6-8CFA-77975435A6F4}" type="datetimeFigureOut">
               <a:rPr lang="zh-CN" altLang="en-US" smtClean="0"/>
-              <a:t>2022-04-23</a:t>
+              <a:t>2024/3/21</a:t>
             </a:fld>
             <a:endParaRPr lang="zh-CN" altLang="en-US"/>
           </a:p>
@@ -1307,7 +1305,7 @@
           <a:p>
             <a:fld id="{5C20BCC6-630E-4FA6-8CFA-77975435A6F4}" type="datetimeFigureOut">
               <a:rPr lang="zh-CN" altLang="en-US" smtClean="0"/>
-              <a:t>2022-04-23</a:t>
+              <a:t>2024/3/21</a:t>
             </a:fld>
             <a:endParaRPr lang="zh-CN" altLang="en-US"/>
           </a:p>
@@ -1582,7 +1580,7 @@
           <a:p>
             <a:fld id="{5C20BCC6-630E-4FA6-8CFA-77975435A6F4}" type="datetimeFigureOut">
               <a:rPr lang="zh-CN" altLang="en-US" smtClean="0"/>
-              <a:t>2022-04-23</a:t>
+              <a:t>2024/3/21</a:t>
             </a:fld>
             <a:endParaRPr lang="zh-CN" altLang="en-US"/>
           </a:p>
@@ -1847,7 +1845,7 @@
           <a:p>
             <a:fld id="{5C20BCC6-630E-4FA6-8CFA-77975435A6F4}" type="datetimeFigureOut">
               <a:rPr lang="zh-CN" altLang="en-US" smtClean="0"/>
-              <a:t>2022-04-23</a:t>
+              <a:t>2024/3/21</a:t>
             </a:fld>
             <a:endParaRPr lang="zh-CN" altLang="en-US"/>
           </a:p>
@@ -2259,7 +2257,7 @@
           <a:p>
             <a:fld id="{5C20BCC6-630E-4FA6-8CFA-77975435A6F4}" type="datetimeFigureOut">
               <a:rPr lang="zh-CN" altLang="en-US" smtClean="0"/>
-              <a:t>2022-04-23</a:t>
+              <a:t>2024/3/21</a:t>
             </a:fld>
             <a:endParaRPr lang="zh-CN" altLang="en-US"/>
           </a:p>
@@ -2400,7 +2398,7 @@
           <a:p>
             <a:fld id="{5C20BCC6-630E-4FA6-8CFA-77975435A6F4}" type="datetimeFigureOut">
               <a:rPr lang="zh-CN" altLang="en-US" smtClean="0"/>
-              <a:t>2022-04-23</a:t>
+              <a:t>2024/3/21</a:t>
             </a:fld>
             <a:endParaRPr lang="zh-CN" altLang="en-US"/>
           </a:p>
@@ -2513,7 +2511,7 @@
           <a:p>
             <a:fld id="{5C20BCC6-630E-4FA6-8CFA-77975435A6F4}" type="datetimeFigureOut">
               <a:rPr lang="zh-CN" altLang="en-US" smtClean="0"/>
-              <a:t>2022-04-23</a:t>
+              <a:t>2024/3/21</a:t>
             </a:fld>
             <a:endParaRPr lang="zh-CN" altLang="en-US"/>
           </a:p>
@@ -2824,7 +2822,7 @@
           <a:p>
             <a:fld id="{5C20BCC6-630E-4FA6-8CFA-77975435A6F4}" type="datetimeFigureOut">
               <a:rPr lang="zh-CN" altLang="en-US" smtClean="0"/>
-              <a:t>2022-04-23</a:t>
+              <a:t>2024/3/21</a:t>
             </a:fld>
             <a:endParaRPr lang="zh-CN" altLang="en-US"/>
           </a:p>
@@ -3112,7 +3110,7 @@
           <a:p>
             <a:fld id="{5C20BCC6-630E-4FA6-8CFA-77975435A6F4}" type="datetimeFigureOut">
               <a:rPr lang="zh-CN" altLang="en-US" smtClean="0"/>
-              <a:t>2022-04-23</a:t>
+              <a:t>2024/3/21</a:t>
             </a:fld>
             <a:endParaRPr lang="zh-CN" altLang="en-US"/>
           </a:p>
@@ -3353,7 +3351,7 @@
           <a:p>
             <a:fld id="{5C20BCC6-630E-4FA6-8CFA-77975435A6F4}" type="datetimeFigureOut">
               <a:rPr lang="zh-CN" altLang="en-US" smtClean="0"/>
-              <a:t>2022-04-23</a:t>
+              <a:t>2024/3/21</a:t>
             </a:fld>
             <a:endParaRPr lang="zh-CN" altLang="en-US"/>
           </a:p>
@@ -3772,946 +3770,6 @@
       </p:grpSpPr>
       <p:sp>
         <p:nvSpPr>
-          <p:cNvPr id="4" name="文本框 3">
-            <a:extLst>
-              <a:ext uri="{FF2B5EF4-FFF2-40B4-BE49-F238E27FC236}">
-                <a16:creationId xmlns:a16="http://schemas.microsoft.com/office/drawing/2014/main" id="{89F39CCD-7A19-4BD6-A2BB-A6E29F0E233B}"/>
-              </a:ext>
-            </a:extLst>
-          </p:cNvPr>
-          <p:cNvSpPr txBox="1"/>
-          <p:nvPr/>
-        </p:nvSpPr>
-        <p:spPr>
-          <a:xfrm>
-            <a:off x="2265204" y="1299526"/>
-            <a:ext cx="7859184" cy="1200329"/>
-          </a:xfrm>
-          <a:prstGeom prst="rect">
-            <a:avLst/>
-          </a:prstGeom>
-        </p:spPr>
-        <p:style>
-          <a:lnRef idx="2">
-            <a:schemeClr val="accent1"/>
-          </a:lnRef>
-          <a:fillRef idx="1">
-            <a:schemeClr val="lt1"/>
-          </a:fillRef>
-          <a:effectRef idx="0">
-            <a:schemeClr val="accent1"/>
-          </a:effectRef>
-          <a:fontRef idx="minor">
-            <a:schemeClr val="dk1"/>
-          </a:fontRef>
-        </p:style>
-        <p:txBody>
-          <a:bodyPr wrap="square" rtlCol="0">
-            <a:spAutoFit/>
-          </a:bodyPr>
-          <a:lstStyle/>
-          <a:p>
-            <a:pPr marL="285750" indent="-285750">
-              <a:buFont typeface="Wingdings" panose="05000000000000000000" pitchFamily="2" charset="2"/>
-              <a:buChar char="ü"/>
-            </a:pPr>
-            <a:r>
-              <a:rPr lang="zh-CN" altLang="en-US" dirty="0"/>
-              <a:t>补数据集实验</a:t>
-            </a:r>
-            <a:endParaRPr lang="en-US" altLang="zh-CN" dirty="0"/>
-          </a:p>
-          <a:p>
-            <a:pPr marL="285750" indent="-285750">
-              <a:buFont typeface="Wingdings" panose="05000000000000000000" pitchFamily="2" charset="2"/>
-              <a:buChar char="ü"/>
-            </a:pPr>
-            <a:endParaRPr lang="en-US" altLang="zh-CN" dirty="0"/>
-          </a:p>
-          <a:p>
-            <a:pPr marL="285750" indent="-285750">
-              <a:buFont typeface="Wingdings" panose="05000000000000000000" pitchFamily="2" charset="2"/>
-              <a:buChar char="ü"/>
-            </a:pPr>
-            <a:r>
-              <a:rPr lang="zh-CN" altLang="en-US" dirty="0"/>
-              <a:t>准备中期答辩</a:t>
-            </a:r>
-            <a:endParaRPr lang="en-US" altLang="zh-CN" dirty="0"/>
-          </a:p>
-          <a:p>
-            <a:pPr marL="285750" indent="-285750">
-              <a:buFont typeface="Wingdings" panose="05000000000000000000" pitchFamily="2" charset="2"/>
-              <a:buChar char="ü"/>
-            </a:pPr>
-            <a:endParaRPr lang="en-US" altLang="zh-CN" dirty="0"/>
-          </a:p>
-        </p:txBody>
-      </p:sp>
-      <p:sp>
-        <p:nvSpPr>
-          <p:cNvPr id="5" name="文本框 4">
-            <a:extLst>
-              <a:ext uri="{FF2B5EF4-FFF2-40B4-BE49-F238E27FC236}">
-                <a16:creationId xmlns:a16="http://schemas.microsoft.com/office/drawing/2014/main" id="{5FCCBBE2-47D4-414A-B63C-685814CCC777}"/>
-              </a:ext>
-            </a:extLst>
-          </p:cNvPr>
-          <p:cNvSpPr txBox="1"/>
-          <p:nvPr/>
-        </p:nvSpPr>
-        <p:spPr>
-          <a:xfrm>
-            <a:off x="5247587" y="235721"/>
-            <a:ext cx="1696826" cy="523220"/>
-          </a:xfrm>
-          <a:prstGeom prst="rect">
-            <a:avLst/>
-          </a:prstGeom>
-          <a:noFill/>
-        </p:spPr>
-        <p:txBody>
-          <a:bodyPr wrap="square" rtlCol="0">
-            <a:spAutoFit/>
-          </a:bodyPr>
-          <a:lstStyle/>
-          <a:p>
-            <a:r>
-              <a:rPr lang="zh-CN" altLang="en-US" sz="2800" dirty="0"/>
-              <a:t>进展汇报</a:t>
-            </a:r>
-          </a:p>
-        </p:txBody>
-      </p:sp>
-      <p:sp>
-        <p:nvSpPr>
-          <p:cNvPr id="6" name="文本框 5">
-            <a:extLst>
-              <a:ext uri="{FF2B5EF4-FFF2-40B4-BE49-F238E27FC236}">
-                <a16:creationId xmlns:a16="http://schemas.microsoft.com/office/drawing/2014/main" id="{7A80EE0B-AA3C-407A-B5CB-523A476553EA}"/>
-              </a:ext>
-            </a:extLst>
-          </p:cNvPr>
-          <p:cNvSpPr txBox="1"/>
-          <p:nvPr/>
-        </p:nvSpPr>
-        <p:spPr>
-          <a:xfrm>
-            <a:off x="179108" y="607635"/>
-            <a:ext cx="2488676" cy="400110"/>
-          </a:xfrm>
-          <a:prstGeom prst="rect">
-            <a:avLst/>
-          </a:prstGeom>
-          <a:noFill/>
-        </p:spPr>
-        <p:txBody>
-          <a:bodyPr wrap="square" rtlCol="0">
-            <a:spAutoFit/>
-          </a:bodyPr>
-          <a:lstStyle/>
-          <a:p>
-            <a:r>
-              <a:rPr lang="zh-CN" altLang="en-US" sz="2000" dirty="0"/>
-              <a:t>汇报人：章子豪</a:t>
-            </a:r>
-          </a:p>
-        </p:txBody>
-      </p:sp>
-      <p:sp>
-        <p:nvSpPr>
-          <p:cNvPr id="7" name="文本框 6">
-            <a:extLst>
-              <a:ext uri="{FF2B5EF4-FFF2-40B4-BE49-F238E27FC236}">
-                <a16:creationId xmlns:a16="http://schemas.microsoft.com/office/drawing/2014/main" id="{2966588E-6CCF-40FE-BC54-D800ECF02950}"/>
-              </a:ext>
-            </a:extLst>
-          </p:cNvPr>
-          <p:cNvSpPr txBox="1"/>
-          <p:nvPr/>
-        </p:nvSpPr>
-        <p:spPr>
-          <a:xfrm>
-            <a:off x="179108" y="210177"/>
-            <a:ext cx="2086096" cy="400110"/>
-          </a:xfrm>
-          <a:prstGeom prst="rect">
-            <a:avLst/>
-          </a:prstGeom>
-          <a:noFill/>
-        </p:spPr>
-        <p:txBody>
-          <a:bodyPr wrap="square" rtlCol="0">
-            <a:spAutoFit/>
-          </a:bodyPr>
-          <a:lstStyle/>
-          <a:p>
-            <a:r>
-              <a:rPr lang="en-US" altLang="zh-CN" sz="2000" dirty="0"/>
-              <a:t>2022-04-22</a:t>
-            </a:r>
-            <a:endParaRPr lang="zh-CN" altLang="en-US" sz="2000" dirty="0"/>
-          </a:p>
-        </p:txBody>
-      </p:sp>
-      <p:sp>
-        <p:nvSpPr>
-          <p:cNvPr id="8" name="文本框 7">
-            <a:extLst>
-              <a:ext uri="{FF2B5EF4-FFF2-40B4-BE49-F238E27FC236}">
-                <a16:creationId xmlns:a16="http://schemas.microsoft.com/office/drawing/2014/main" id="{DE6505A6-3D22-4754-B50D-FC5E53BDB8C8}"/>
-              </a:ext>
-            </a:extLst>
-          </p:cNvPr>
-          <p:cNvSpPr txBox="1"/>
-          <p:nvPr/>
-        </p:nvSpPr>
-        <p:spPr>
-          <a:xfrm>
-            <a:off x="477434" y="1715025"/>
-            <a:ext cx="1277335" cy="369332"/>
-          </a:xfrm>
-          <a:prstGeom prst="rect">
-            <a:avLst/>
-          </a:prstGeom>
-        </p:spPr>
-        <p:style>
-          <a:lnRef idx="3">
-            <a:schemeClr val="lt1"/>
-          </a:lnRef>
-          <a:fillRef idx="1">
-            <a:schemeClr val="accent1"/>
-          </a:fillRef>
-          <a:effectRef idx="1">
-            <a:schemeClr val="accent1"/>
-          </a:effectRef>
-          <a:fontRef idx="minor">
-            <a:schemeClr val="lt1"/>
-          </a:fontRef>
-        </p:style>
-        <p:txBody>
-          <a:bodyPr wrap="square" rtlCol="0">
-            <a:spAutoFit/>
-          </a:bodyPr>
-          <a:lstStyle/>
-          <a:p>
-            <a:r>
-              <a:rPr lang="zh-CN" altLang="en-US" dirty="0"/>
-              <a:t>上周进展</a:t>
-            </a:r>
-          </a:p>
-        </p:txBody>
-      </p:sp>
-      <p:pic>
-        <p:nvPicPr>
-          <p:cNvPr id="9" name="图片 8">
-            <a:extLst>
-              <a:ext uri="{FF2B5EF4-FFF2-40B4-BE49-F238E27FC236}">
-                <a16:creationId xmlns:a16="http://schemas.microsoft.com/office/drawing/2014/main" id="{7D8AF530-0105-4366-B0D9-38F575AE59B6}"/>
-              </a:ext>
-            </a:extLst>
-          </p:cNvPr>
-          <p:cNvPicPr>
-            <a:picLocks noChangeAspect="1"/>
-          </p:cNvPicPr>
-          <p:nvPr/>
-        </p:nvPicPr>
-        <p:blipFill>
-          <a:blip r:embed="rId2"/>
-          <a:stretch>
-            <a:fillRect/>
-          </a:stretch>
-        </p:blipFill>
-        <p:spPr>
-          <a:xfrm>
-            <a:off x="9340955" y="34790"/>
-            <a:ext cx="2851045" cy="1005555"/>
-          </a:xfrm>
-          <a:prstGeom prst="rect">
-            <a:avLst/>
-          </a:prstGeom>
-        </p:spPr>
-      </p:pic>
-      <p:sp>
-        <p:nvSpPr>
-          <p:cNvPr id="10" name="文本框 9">
-            <a:extLst>
-              <a:ext uri="{FF2B5EF4-FFF2-40B4-BE49-F238E27FC236}">
-                <a16:creationId xmlns:a16="http://schemas.microsoft.com/office/drawing/2014/main" id="{600FABBA-05E3-420F-AA9F-90469E4F8EAC}"/>
-              </a:ext>
-            </a:extLst>
-          </p:cNvPr>
-          <p:cNvSpPr txBox="1"/>
-          <p:nvPr/>
-        </p:nvSpPr>
-        <p:spPr>
-          <a:xfrm>
-            <a:off x="2265204" y="2791636"/>
-            <a:ext cx="7859184" cy="2031325"/>
-          </a:xfrm>
-          <a:prstGeom prst="rect">
-            <a:avLst/>
-          </a:prstGeom>
-        </p:spPr>
-        <p:style>
-          <a:lnRef idx="2">
-            <a:schemeClr val="accent1"/>
-          </a:lnRef>
-          <a:fillRef idx="1">
-            <a:schemeClr val="lt1"/>
-          </a:fillRef>
-          <a:effectRef idx="0">
-            <a:schemeClr val="accent1"/>
-          </a:effectRef>
-          <a:fontRef idx="minor">
-            <a:schemeClr val="dk1"/>
-          </a:fontRef>
-        </p:style>
-        <p:txBody>
-          <a:bodyPr wrap="square" rtlCol="0">
-            <a:spAutoFit/>
-          </a:bodyPr>
-          <a:lstStyle/>
-          <a:p>
-            <a:pPr marL="285750" indent="-285750">
-              <a:buFont typeface="Wingdings" panose="05000000000000000000" pitchFamily="2" charset="2"/>
-              <a:buChar char="ü"/>
-            </a:pPr>
-            <a:r>
-              <a:rPr lang="zh-CN" altLang="en-US" dirty="0"/>
-              <a:t>中期答辩完成</a:t>
-            </a:r>
-            <a:endParaRPr lang="en-US" altLang="zh-CN" dirty="0"/>
-          </a:p>
-          <a:p>
-            <a:pPr marL="285750" indent="-285750">
-              <a:buFont typeface="Wingdings" panose="05000000000000000000" pitchFamily="2" charset="2"/>
-              <a:buChar char="ü"/>
-            </a:pPr>
-            <a:endParaRPr lang="en-US" altLang="zh-CN" dirty="0"/>
-          </a:p>
-          <a:p>
-            <a:pPr marL="285750" indent="-285750">
-              <a:buFont typeface="Wingdings" panose="05000000000000000000" pitchFamily="2" charset="2"/>
-              <a:buChar char="ü"/>
-            </a:pPr>
-            <a:r>
-              <a:rPr lang="zh-CN" altLang="en-US" dirty="0"/>
-              <a:t>阅读论文 </a:t>
-            </a:r>
-            <a:r>
-              <a:rPr lang="en-US" altLang="zh-CN" i="1" dirty="0"/>
-              <a:t>Adaptive Self-Paced Deep Clustering with Data Augmentation </a:t>
-            </a:r>
-          </a:p>
-          <a:p>
-            <a:r>
-              <a:rPr lang="en-US" altLang="zh-CN" i="1" dirty="0"/>
-              <a:t>     </a:t>
-            </a:r>
-            <a:r>
-              <a:rPr lang="zh-CN" altLang="en-US" dirty="0"/>
-              <a:t>并</a:t>
-            </a:r>
-            <a:r>
-              <a:rPr lang="en-US" altLang="zh-CN" dirty="0"/>
-              <a:t>Debug </a:t>
-            </a:r>
-            <a:r>
-              <a:rPr lang="zh-CN" altLang="en-US" dirty="0"/>
-              <a:t>这篇论文代码，看代码具体步骤并尝试复现</a:t>
-            </a:r>
-            <a:endParaRPr lang="en-US" altLang="zh-CN" dirty="0"/>
-          </a:p>
-          <a:p>
-            <a:pPr marL="285750" indent="-285750">
-              <a:buFont typeface="Wingdings" panose="05000000000000000000" pitchFamily="2" charset="2"/>
-              <a:buChar char="ü"/>
-            </a:pPr>
-            <a:endParaRPr lang="en-US" altLang="zh-CN" dirty="0"/>
-          </a:p>
-          <a:p>
-            <a:pPr marL="285750" indent="-285750">
-              <a:buFont typeface="Wingdings" panose="05000000000000000000" pitchFamily="2" charset="2"/>
-              <a:buChar char="ü"/>
-            </a:pPr>
-            <a:r>
-              <a:rPr lang="zh-CN" altLang="en-US" dirty="0"/>
-              <a:t>补充数据集</a:t>
-            </a:r>
-            <a:r>
-              <a:rPr lang="en-US" altLang="zh-CN" dirty="0"/>
-              <a:t>YTF</a:t>
-            </a:r>
-            <a:r>
-              <a:rPr lang="zh-CN" altLang="en-US" dirty="0"/>
-              <a:t>、</a:t>
-            </a:r>
-            <a:r>
-              <a:rPr lang="en-US" altLang="zh-CN" dirty="0"/>
-              <a:t>FRGC</a:t>
-            </a:r>
-          </a:p>
-          <a:p>
-            <a:pPr marL="285750" indent="-285750">
-              <a:buFont typeface="Wingdings" panose="05000000000000000000" pitchFamily="2" charset="2"/>
-              <a:buChar char="ü"/>
-            </a:pPr>
-            <a:endParaRPr lang="en-US" altLang="zh-CN" dirty="0"/>
-          </a:p>
-        </p:txBody>
-      </p:sp>
-      <p:sp>
-        <p:nvSpPr>
-          <p:cNvPr id="11" name="文本框 10">
-            <a:extLst>
-              <a:ext uri="{FF2B5EF4-FFF2-40B4-BE49-F238E27FC236}">
-                <a16:creationId xmlns:a16="http://schemas.microsoft.com/office/drawing/2014/main" id="{573A4770-9977-4F67-8676-1A15ABF8E3DD}"/>
-              </a:ext>
-            </a:extLst>
-          </p:cNvPr>
-          <p:cNvSpPr txBox="1"/>
-          <p:nvPr/>
-        </p:nvSpPr>
-        <p:spPr>
-          <a:xfrm>
-            <a:off x="477433" y="3429000"/>
-            <a:ext cx="1277335" cy="369332"/>
-          </a:xfrm>
-          <a:prstGeom prst="rect">
-            <a:avLst/>
-          </a:prstGeom>
-        </p:spPr>
-        <p:style>
-          <a:lnRef idx="3">
-            <a:schemeClr val="lt1"/>
-          </a:lnRef>
-          <a:fillRef idx="1">
-            <a:schemeClr val="accent1"/>
-          </a:fillRef>
-          <a:effectRef idx="1">
-            <a:schemeClr val="accent1"/>
-          </a:effectRef>
-          <a:fontRef idx="minor">
-            <a:schemeClr val="lt1"/>
-          </a:fontRef>
-        </p:style>
-        <p:txBody>
-          <a:bodyPr wrap="square" rtlCol="0">
-            <a:spAutoFit/>
-          </a:bodyPr>
-          <a:lstStyle/>
-          <a:p>
-            <a:r>
-              <a:rPr lang="zh-CN" altLang="en-US" dirty="0"/>
-              <a:t>本周情况</a:t>
-            </a:r>
-          </a:p>
-        </p:txBody>
-      </p:sp>
-      <p:sp>
-        <p:nvSpPr>
-          <p:cNvPr id="12" name="文本框 11">
-            <a:extLst>
-              <a:ext uri="{FF2B5EF4-FFF2-40B4-BE49-F238E27FC236}">
-                <a16:creationId xmlns:a16="http://schemas.microsoft.com/office/drawing/2014/main" id="{5F39EC68-8762-416E-8B12-226F2B9E5DD2}"/>
-              </a:ext>
-            </a:extLst>
-          </p:cNvPr>
-          <p:cNvSpPr txBox="1"/>
-          <p:nvPr/>
-        </p:nvSpPr>
-        <p:spPr>
-          <a:xfrm>
-            <a:off x="477433" y="5580120"/>
-            <a:ext cx="1277335" cy="369332"/>
-          </a:xfrm>
-          <a:prstGeom prst="rect">
-            <a:avLst/>
-          </a:prstGeom>
-        </p:spPr>
-        <p:style>
-          <a:lnRef idx="3">
-            <a:schemeClr val="lt1"/>
-          </a:lnRef>
-          <a:fillRef idx="1">
-            <a:schemeClr val="accent1"/>
-          </a:fillRef>
-          <a:effectRef idx="1">
-            <a:schemeClr val="accent1"/>
-          </a:effectRef>
-          <a:fontRef idx="minor">
-            <a:schemeClr val="lt1"/>
-          </a:fontRef>
-        </p:style>
-        <p:txBody>
-          <a:bodyPr wrap="square" rtlCol="0">
-            <a:spAutoFit/>
-          </a:bodyPr>
-          <a:lstStyle/>
-          <a:p>
-            <a:r>
-              <a:rPr lang="zh-CN" altLang="en-US" dirty="0"/>
-              <a:t>下周计划</a:t>
-            </a:r>
-          </a:p>
-        </p:txBody>
-      </p:sp>
-      <p:sp>
-        <p:nvSpPr>
-          <p:cNvPr id="13" name="文本框 12">
-            <a:extLst>
-              <a:ext uri="{FF2B5EF4-FFF2-40B4-BE49-F238E27FC236}">
-                <a16:creationId xmlns:a16="http://schemas.microsoft.com/office/drawing/2014/main" id="{74E14571-112F-4895-80A6-014CE88E282D}"/>
-              </a:ext>
-            </a:extLst>
-          </p:cNvPr>
-          <p:cNvSpPr txBox="1"/>
-          <p:nvPr/>
-        </p:nvSpPr>
-        <p:spPr>
-          <a:xfrm>
-            <a:off x="2265204" y="5153994"/>
-            <a:ext cx="7859184" cy="1200329"/>
-          </a:xfrm>
-          <a:prstGeom prst="rect">
-            <a:avLst/>
-          </a:prstGeom>
-        </p:spPr>
-        <p:style>
-          <a:lnRef idx="2">
-            <a:schemeClr val="accent1"/>
-          </a:lnRef>
-          <a:fillRef idx="1">
-            <a:schemeClr val="lt1"/>
-          </a:fillRef>
-          <a:effectRef idx="0">
-            <a:schemeClr val="accent1"/>
-          </a:effectRef>
-          <a:fontRef idx="minor">
-            <a:schemeClr val="dk1"/>
-          </a:fontRef>
-        </p:style>
-        <p:txBody>
-          <a:bodyPr wrap="square" rtlCol="0">
-            <a:spAutoFit/>
-          </a:bodyPr>
-          <a:lstStyle/>
-          <a:p>
-            <a:pPr marL="285750" indent="-285750">
-              <a:buFont typeface="Wingdings" panose="05000000000000000000" pitchFamily="2" charset="2"/>
-              <a:buChar char="p"/>
-            </a:pPr>
-            <a:endParaRPr lang="en-US" altLang="zh-CN" dirty="0"/>
-          </a:p>
-          <a:p>
-            <a:pPr marL="285750" indent="-285750">
-              <a:buFont typeface="Wingdings" panose="05000000000000000000" pitchFamily="2" charset="2"/>
-              <a:buChar char="p"/>
-            </a:pPr>
-            <a:r>
-              <a:rPr lang="zh-CN" altLang="en-US" dirty="0"/>
-              <a:t>继续补充数据集</a:t>
-            </a:r>
-            <a:endParaRPr lang="en-US" altLang="zh-CN" dirty="0"/>
-          </a:p>
-          <a:p>
-            <a:pPr marL="285750" indent="-285750">
-              <a:buFont typeface="Wingdings" panose="05000000000000000000" pitchFamily="2" charset="2"/>
-              <a:buChar char="ü"/>
-            </a:pPr>
-            <a:endParaRPr lang="en-US" altLang="zh-CN" dirty="0"/>
-          </a:p>
-          <a:p>
-            <a:pPr marL="285750" indent="-285750">
-              <a:buFont typeface="Wingdings" panose="05000000000000000000" pitchFamily="2" charset="2"/>
-              <a:buChar char="p"/>
-            </a:pPr>
-            <a:r>
-              <a:rPr lang="zh-CN" altLang="en-US" dirty="0"/>
-              <a:t>关注一些对比学习论文的代码</a:t>
-            </a:r>
-            <a:endParaRPr lang="en-US" altLang="zh-CN" dirty="0"/>
-          </a:p>
-        </p:txBody>
-      </p:sp>
-    </p:spTree>
-    <p:extLst>
-      <p:ext uri="{BB962C8B-B14F-4D97-AF65-F5344CB8AC3E}">
-        <p14:creationId xmlns:p14="http://schemas.microsoft.com/office/powerpoint/2010/main" val="4156068617"/>
-      </p:ext>
-    </p:extLst>
-  </p:cSld>
-  <p:clrMapOvr>
-    <a:masterClrMapping/>
-  </p:clrMapOvr>
-</p:sld>
-</file>
-
-<file path=ppt/slides/slide2.xml><?xml version="1.0" encoding="utf-8"?>
-<p:sld xmlns:a="http://schemas.openxmlformats.org/drawingml/2006/main" xmlns:r="http://schemas.openxmlformats.org/officeDocument/2006/relationships" xmlns:p="http://schemas.openxmlformats.org/presentationml/2006/main">
-  <p:cSld>
-    <p:spTree>
-      <p:nvGrpSpPr>
-        <p:cNvPr id="1" name=""/>
-        <p:cNvGrpSpPr/>
-        <p:nvPr/>
-      </p:nvGrpSpPr>
-      <p:grpSpPr>
-        <a:xfrm>
-          <a:off x="0" y="0"/>
-          <a:ext cx="0" cy="0"/>
-          <a:chOff x="0" y="0"/>
-          <a:chExt cx="0" cy="0"/>
-        </a:xfrm>
-      </p:grpSpPr>
-      <p:sp>
-        <p:nvSpPr>
-          <p:cNvPr id="15" name="文本框 14">
-            <a:extLst>
-              <a:ext uri="{FF2B5EF4-FFF2-40B4-BE49-F238E27FC236}">
-                <a16:creationId xmlns:a16="http://schemas.microsoft.com/office/drawing/2014/main" id="{63A7946C-FF41-404E-9D89-2BB0FCE02AA2}"/>
-              </a:ext>
-            </a:extLst>
-          </p:cNvPr>
-          <p:cNvSpPr txBox="1"/>
-          <p:nvPr/>
-        </p:nvSpPr>
-        <p:spPr>
-          <a:xfrm>
-            <a:off x="86416" y="4821745"/>
-            <a:ext cx="5909032" cy="646331"/>
-          </a:xfrm>
-          <a:prstGeom prst="rect">
-            <a:avLst/>
-          </a:prstGeom>
-          <a:noFill/>
-        </p:spPr>
-        <p:txBody>
-          <a:bodyPr wrap="square" rtlCol="0">
-            <a:spAutoFit/>
-          </a:bodyPr>
-          <a:lstStyle/>
-          <a:p>
-            <a:r>
-              <a:rPr lang="en-US" altLang="zh-CN" dirty="0"/>
-              <a:t>CVCL:   YTF</a:t>
-            </a:r>
-            <a:r>
-              <a:rPr lang="zh-CN" altLang="en-US" dirty="0"/>
-              <a:t>数据集表现还可以，两个模态能超过三个模态</a:t>
-            </a:r>
-            <a:endParaRPr lang="en-US" altLang="zh-CN" dirty="0"/>
-          </a:p>
-          <a:p>
-            <a:r>
-              <a:rPr lang="en-US" altLang="zh-CN" dirty="0"/>
-              <a:t>             </a:t>
-            </a:r>
-            <a:endParaRPr lang="zh-CN" altLang="en-US" dirty="0"/>
-          </a:p>
-        </p:txBody>
-      </p:sp>
-      <p:sp>
-        <p:nvSpPr>
-          <p:cNvPr id="2" name="文本框 1">
-            <a:extLst>
-              <a:ext uri="{FF2B5EF4-FFF2-40B4-BE49-F238E27FC236}">
-                <a16:creationId xmlns:a16="http://schemas.microsoft.com/office/drawing/2014/main" id="{0B65CECD-BE4E-4898-A16B-56C99F17A862}"/>
-              </a:ext>
-            </a:extLst>
-          </p:cNvPr>
-          <p:cNvSpPr txBox="1"/>
-          <p:nvPr/>
-        </p:nvSpPr>
-        <p:spPr>
-          <a:xfrm>
-            <a:off x="345452" y="5255676"/>
-            <a:ext cx="5806853" cy="1477328"/>
-          </a:xfrm>
-          <a:prstGeom prst="rect">
-            <a:avLst/>
-          </a:prstGeom>
-          <a:noFill/>
-        </p:spPr>
-        <p:txBody>
-          <a:bodyPr wrap="square" rtlCol="0">
-            <a:spAutoFit/>
-          </a:bodyPr>
-          <a:lstStyle/>
-          <a:p>
-            <a:r>
-              <a:rPr lang="zh-CN" altLang="en-US" dirty="0"/>
-              <a:t>遇到的问题是：</a:t>
-            </a:r>
-            <a:r>
-              <a:rPr lang="en-US" altLang="zh-CN" dirty="0"/>
-              <a:t>FRGC</a:t>
-            </a:r>
-            <a:r>
-              <a:rPr lang="zh-CN" altLang="en-US" dirty="0"/>
-              <a:t>收敛太慢，性能不佳</a:t>
-            </a:r>
-            <a:endParaRPr lang="en-US" altLang="zh-CN" dirty="0"/>
-          </a:p>
-          <a:p>
-            <a:endParaRPr lang="en-US" altLang="zh-CN" dirty="0"/>
-          </a:p>
-          <a:p>
-            <a:r>
-              <a:rPr lang="zh-CN" altLang="en-US" dirty="0"/>
-              <a:t>再准备尝试：</a:t>
-            </a:r>
-            <a:r>
-              <a:rPr lang="en-US" altLang="zh-CN" dirty="0"/>
-              <a:t> 1.FRGC </a:t>
-            </a:r>
-            <a:r>
-              <a:rPr lang="zh-CN" altLang="en-US" dirty="0"/>
-              <a:t>三个模态性能</a:t>
-            </a:r>
-            <a:endParaRPr lang="en-US" altLang="zh-CN" dirty="0"/>
-          </a:p>
-          <a:p>
-            <a:r>
-              <a:rPr lang="en-US" altLang="zh-CN" dirty="0"/>
-              <a:t>	         2.</a:t>
-            </a:r>
-            <a:r>
-              <a:rPr lang="zh-CN" altLang="en-US" dirty="0"/>
-              <a:t>一个</a:t>
-            </a:r>
-            <a:r>
-              <a:rPr lang="en-US" altLang="zh-CN" dirty="0"/>
-              <a:t>epoch</a:t>
-            </a:r>
-            <a:r>
-              <a:rPr lang="zh-CN" altLang="en-US" dirty="0"/>
-              <a:t>测一次聚类结果</a:t>
-            </a:r>
-            <a:endParaRPr lang="en-US" altLang="zh-CN" dirty="0"/>
-          </a:p>
-          <a:p>
-            <a:r>
-              <a:rPr lang="en-US" altLang="zh-CN" dirty="0"/>
-              <a:t>	         3.</a:t>
-            </a:r>
-            <a:r>
-              <a:rPr lang="zh-CN" altLang="en-US" dirty="0"/>
-              <a:t>动态调整学习率</a:t>
-            </a:r>
-            <a:r>
-              <a:rPr lang="en-US" altLang="zh-CN" dirty="0"/>
-              <a:t>			                  </a:t>
-            </a:r>
-          </a:p>
-        </p:txBody>
-      </p:sp>
-      <p:pic>
-        <p:nvPicPr>
-          <p:cNvPr id="6" name="图片 5">
-            <a:extLst>
-              <a:ext uri="{FF2B5EF4-FFF2-40B4-BE49-F238E27FC236}">
-                <a16:creationId xmlns:a16="http://schemas.microsoft.com/office/drawing/2014/main" id="{62668805-5029-4624-86BA-CF77EDA734CB}"/>
-              </a:ext>
-            </a:extLst>
-          </p:cNvPr>
-          <p:cNvPicPr>
-            <a:picLocks noChangeAspect="1"/>
-          </p:cNvPicPr>
-          <p:nvPr/>
-        </p:nvPicPr>
-        <p:blipFill>
-          <a:blip r:embed="rId2"/>
-          <a:stretch>
-            <a:fillRect/>
-          </a:stretch>
-        </p:blipFill>
-        <p:spPr>
-          <a:xfrm>
-            <a:off x="86414" y="258586"/>
-            <a:ext cx="3872843" cy="3170414"/>
-          </a:xfrm>
-          <a:prstGeom prst="rect">
-            <a:avLst/>
-          </a:prstGeom>
-        </p:spPr>
-      </p:pic>
-      <p:sp>
-        <p:nvSpPr>
-          <p:cNvPr id="7" name="文本框 6">
-            <a:extLst>
-              <a:ext uri="{FF2B5EF4-FFF2-40B4-BE49-F238E27FC236}">
-                <a16:creationId xmlns:a16="http://schemas.microsoft.com/office/drawing/2014/main" id="{0BBB86EB-4CDF-4C11-AF85-60B0B3663A21}"/>
-              </a:ext>
-            </a:extLst>
-          </p:cNvPr>
-          <p:cNvSpPr txBox="1"/>
-          <p:nvPr/>
-        </p:nvSpPr>
-        <p:spPr>
-          <a:xfrm>
-            <a:off x="185000" y="3493599"/>
-            <a:ext cx="2856321" cy="369332"/>
-          </a:xfrm>
-          <a:prstGeom prst="rect">
-            <a:avLst/>
-          </a:prstGeom>
-          <a:noFill/>
-        </p:spPr>
-        <p:txBody>
-          <a:bodyPr wrap="square" rtlCol="0">
-            <a:spAutoFit/>
-          </a:bodyPr>
-          <a:lstStyle/>
-          <a:p>
-            <a:r>
-              <a:rPr lang="en-US" altLang="zh-CN" dirty="0"/>
-              <a:t>ACC</a:t>
-            </a:r>
-            <a:r>
-              <a:rPr lang="zh-CN" altLang="en-US" dirty="0"/>
-              <a:t>：</a:t>
-            </a:r>
-            <a:r>
-              <a:rPr lang="en-US" altLang="zh-CN" dirty="0"/>
-              <a:t>10</a:t>
-            </a:r>
-            <a:r>
-              <a:rPr lang="zh-CN" altLang="en-US" dirty="0"/>
-              <a:t>个</a:t>
-            </a:r>
-            <a:r>
-              <a:rPr lang="en-US" altLang="zh-CN" dirty="0"/>
-              <a:t>epoch</a:t>
-            </a:r>
-            <a:r>
-              <a:rPr lang="zh-CN" altLang="en-US" dirty="0"/>
-              <a:t>测一次</a:t>
-            </a:r>
-          </a:p>
-        </p:txBody>
-      </p:sp>
-      <p:pic>
-        <p:nvPicPr>
-          <p:cNvPr id="5" name="图片 4">
-            <a:extLst>
-              <a:ext uri="{FF2B5EF4-FFF2-40B4-BE49-F238E27FC236}">
-                <a16:creationId xmlns:a16="http://schemas.microsoft.com/office/drawing/2014/main" id="{3611E2C6-949C-4D27-8C88-482C22C62F75}"/>
-              </a:ext>
-            </a:extLst>
-          </p:cNvPr>
-          <p:cNvPicPr>
-            <a:picLocks noChangeAspect="1"/>
-          </p:cNvPicPr>
-          <p:nvPr/>
-        </p:nvPicPr>
-        <p:blipFill>
-          <a:blip r:embed="rId3"/>
-          <a:stretch>
-            <a:fillRect/>
-          </a:stretch>
-        </p:blipFill>
-        <p:spPr>
-          <a:xfrm>
-            <a:off x="3747884" y="-37707"/>
-            <a:ext cx="8051846" cy="3355942"/>
-          </a:xfrm>
-          <a:prstGeom prst="rect">
-            <a:avLst/>
-          </a:prstGeom>
-        </p:spPr>
-      </p:pic>
-      <p:pic>
-        <p:nvPicPr>
-          <p:cNvPr id="4" name="图片 3">
-            <a:extLst>
-              <a:ext uri="{FF2B5EF4-FFF2-40B4-BE49-F238E27FC236}">
-                <a16:creationId xmlns:a16="http://schemas.microsoft.com/office/drawing/2014/main" id="{3DC66A2C-AA70-4914-8C46-643BA4C5C087}"/>
-              </a:ext>
-            </a:extLst>
-          </p:cNvPr>
-          <p:cNvPicPr>
-            <a:picLocks noChangeAspect="1"/>
-          </p:cNvPicPr>
-          <p:nvPr/>
-        </p:nvPicPr>
-        <p:blipFill rotWithShape="1">
-          <a:blip r:embed="rId4"/>
-          <a:srcRect l="4218" r="8270"/>
-          <a:stretch/>
-        </p:blipFill>
-        <p:spPr>
-          <a:xfrm>
-            <a:off x="5872509" y="3318235"/>
-            <a:ext cx="6134491" cy="3016674"/>
-          </a:xfrm>
-          <a:prstGeom prst="rect">
-            <a:avLst/>
-          </a:prstGeom>
-        </p:spPr>
-      </p:pic>
-      <p:pic>
-        <p:nvPicPr>
-          <p:cNvPr id="10" name="图片 9">
-            <a:extLst>
-              <a:ext uri="{FF2B5EF4-FFF2-40B4-BE49-F238E27FC236}">
-                <a16:creationId xmlns:a16="http://schemas.microsoft.com/office/drawing/2014/main" id="{EDB55E47-F64E-4906-96FD-AD9678F32862}"/>
-              </a:ext>
-            </a:extLst>
-          </p:cNvPr>
-          <p:cNvPicPr>
-            <a:picLocks noChangeAspect="1"/>
-          </p:cNvPicPr>
-          <p:nvPr/>
-        </p:nvPicPr>
-        <p:blipFill rotWithShape="1">
-          <a:blip r:embed="rId5"/>
-          <a:srcRect t="39982"/>
-          <a:stretch/>
-        </p:blipFill>
-        <p:spPr>
-          <a:xfrm>
-            <a:off x="8175499" y="6334909"/>
-            <a:ext cx="3762900" cy="268724"/>
-          </a:xfrm>
-          <a:prstGeom prst="rect">
-            <a:avLst/>
-          </a:prstGeom>
-        </p:spPr>
-      </p:pic>
-    </p:spTree>
-    <p:extLst>
-      <p:ext uri="{BB962C8B-B14F-4D97-AF65-F5344CB8AC3E}">
-        <p14:creationId xmlns:p14="http://schemas.microsoft.com/office/powerpoint/2010/main" val="1803115100"/>
-      </p:ext>
-    </p:extLst>
-  </p:cSld>
-  <p:clrMapOvr>
-    <a:masterClrMapping/>
-  </p:clrMapOvr>
-</p:sld>
-</file>
-
-<file path=ppt/slides/slide3.xml><?xml version="1.0" encoding="utf-8"?>
-<p:sld xmlns:a="http://schemas.openxmlformats.org/drawingml/2006/main" xmlns:r="http://schemas.openxmlformats.org/officeDocument/2006/relationships" xmlns:p="http://schemas.openxmlformats.org/presentationml/2006/main">
-  <p:cSld>
-    <p:spTree>
-      <p:nvGrpSpPr>
-        <p:cNvPr id="1" name=""/>
-        <p:cNvGrpSpPr/>
-        <p:nvPr/>
-      </p:nvGrpSpPr>
-      <p:grpSpPr>
-        <a:xfrm>
-          <a:off x="0" y="0"/>
-          <a:ext cx="0" cy="0"/>
-          <a:chOff x="0" y="0"/>
-          <a:chExt cx="0" cy="0"/>
-        </a:xfrm>
-      </p:grpSpPr>
-      <p:sp>
-        <p:nvSpPr>
           <p:cNvPr id="5" name="文本框 4">
             <a:extLst>
               <a:ext uri="{FF2B5EF4-FFF2-40B4-BE49-F238E27FC236}">
@@ -5297,6 +4355,807 @@
 </p:sld>
 </file>
 
+<file path=ppt/slides/slide2.xml><?xml version="1.0" encoding="utf-8"?>
+<p:sld xmlns:a="http://schemas.openxmlformats.org/drawingml/2006/main" xmlns:r="http://schemas.openxmlformats.org/officeDocument/2006/relationships" xmlns:p="http://schemas.openxmlformats.org/presentationml/2006/main">
+  <p:cSld>
+    <p:spTree>
+      <p:nvGrpSpPr>
+        <p:cNvPr id="1" name=""/>
+        <p:cNvGrpSpPr/>
+        <p:nvPr/>
+      </p:nvGrpSpPr>
+      <p:grpSpPr>
+        <a:xfrm>
+          <a:off x="0" y="0"/>
+          <a:ext cx="0" cy="0"/>
+          <a:chOff x="0" y="0"/>
+          <a:chExt cx="0" cy="0"/>
+        </a:xfrm>
+      </p:grpSpPr>
+      <p:pic>
+        <p:nvPicPr>
+          <p:cNvPr id="4" name="图片 3">
+            <a:extLst>
+              <a:ext uri="{FF2B5EF4-FFF2-40B4-BE49-F238E27FC236}">
+                <a16:creationId xmlns:a16="http://schemas.microsoft.com/office/drawing/2014/main" id="{4A2AAA79-8C45-47A7-A34C-0CABD7E75626}"/>
+              </a:ext>
+            </a:extLst>
+          </p:cNvPr>
+          <p:cNvPicPr>
+            <a:picLocks noChangeAspect="1"/>
+          </p:cNvPicPr>
+          <p:nvPr/>
+        </p:nvPicPr>
+        <p:blipFill>
+          <a:blip r:embed="rId2"/>
+          <a:stretch>
+            <a:fillRect/>
+          </a:stretch>
+        </p:blipFill>
+        <p:spPr>
+          <a:xfrm>
+            <a:off x="0" y="404547"/>
+            <a:ext cx="9289527" cy="2606184"/>
+          </a:xfrm>
+          <a:prstGeom prst="rect">
+            <a:avLst/>
+          </a:prstGeom>
+        </p:spPr>
+      </p:pic>
+      <p:sp>
+        <p:nvSpPr>
+          <p:cNvPr id="6" name="文本框 5">
+            <a:extLst>
+              <a:ext uri="{FF2B5EF4-FFF2-40B4-BE49-F238E27FC236}">
+                <a16:creationId xmlns:a16="http://schemas.microsoft.com/office/drawing/2014/main" id="{F532FFD1-83B9-4294-A9DA-448F276340C3}"/>
+              </a:ext>
+            </a:extLst>
+          </p:cNvPr>
+          <p:cNvSpPr txBox="1"/>
+          <p:nvPr/>
+        </p:nvSpPr>
+        <p:spPr>
+          <a:xfrm>
+            <a:off x="191447" y="3010731"/>
+            <a:ext cx="6548718" cy="1754326"/>
+          </a:xfrm>
+          <a:prstGeom prst="rect">
+            <a:avLst/>
+          </a:prstGeom>
+          <a:noFill/>
+        </p:spPr>
+        <p:txBody>
+          <a:bodyPr wrap="square" rtlCol="0">
+            <a:spAutoFit/>
+          </a:bodyPr>
+          <a:lstStyle/>
+          <a:p>
+            <a:r>
+              <a:rPr lang="en-US" altLang="zh-CN" b="1" dirty="0"/>
+              <a:t>Basic DC</a:t>
+            </a:r>
+            <a:r>
+              <a:rPr lang="zh-CN" altLang="en-US" b="1" dirty="0"/>
+              <a:t>模型</a:t>
+            </a:r>
+            <a:r>
+              <a:rPr lang="zh-CN" altLang="en-US" dirty="0"/>
+              <a:t>：</a:t>
+            </a:r>
+            <a:r>
+              <a:rPr lang="zh-CN" altLang="en-US" dirty="0">
+                <a:effectLst/>
+                <a:latin typeface="Arial" panose="020B0604020202020204" pitchFamily="34" charset="0"/>
+              </a:rPr>
+              <a:t>使用由</a:t>
+            </a:r>
+            <a:r>
+              <a:rPr lang="zh-CN" altLang="en-US" b="1" dirty="0">
+                <a:effectLst/>
+                <a:latin typeface="Arial" panose="020B0604020202020204" pitchFamily="34" charset="0"/>
+              </a:rPr>
+              <a:t>簇类中心和标签分配</a:t>
+            </a:r>
+            <a:r>
+              <a:rPr lang="zh-CN" altLang="en-US" dirty="0">
+                <a:effectLst/>
+                <a:latin typeface="Arial" panose="020B0604020202020204" pitchFamily="34" charset="0"/>
+              </a:rPr>
+              <a:t>定义的损失函数来调整</a:t>
+            </a:r>
+            <a:r>
+              <a:rPr lang="en-US" altLang="zh-CN" dirty="0">
+                <a:effectLst/>
+                <a:latin typeface="Arial" panose="020B0604020202020204" pitchFamily="34" charset="0"/>
+              </a:rPr>
+              <a:t>DNN</a:t>
+            </a:r>
+            <a:r>
+              <a:rPr lang="zh-CN" altLang="en-US" dirty="0">
+                <a:effectLst/>
+                <a:latin typeface="Arial" panose="020B0604020202020204" pitchFamily="34" charset="0"/>
+              </a:rPr>
+              <a:t>的参数</a:t>
+            </a:r>
+            <a:endParaRPr lang="en-US" altLang="zh-CN" dirty="0">
+              <a:effectLst/>
+              <a:latin typeface="Arial" panose="020B0604020202020204" pitchFamily="34" charset="0"/>
+            </a:endParaRPr>
+          </a:p>
+          <a:p>
+            <a:endParaRPr lang="en-US" altLang="zh-CN" dirty="0">
+              <a:latin typeface="Arial" panose="020B0604020202020204" pitchFamily="34" charset="0"/>
+            </a:endParaRPr>
+          </a:p>
+          <a:p>
+            <a:r>
+              <a:rPr lang="en-US" altLang="zh-CN" dirty="0">
+                <a:effectLst/>
+                <a:latin typeface="Arial" panose="020B0604020202020204" pitchFamily="34" charset="0"/>
+              </a:rPr>
+              <a:t>(a)-&gt;(b)</a:t>
+            </a:r>
+            <a:r>
+              <a:rPr lang="zh-CN" altLang="en-US" dirty="0">
+                <a:latin typeface="Arial" panose="020B0604020202020204" pitchFamily="34" charset="0"/>
+              </a:rPr>
+              <a:t>：使用</a:t>
+            </a:r>
+            <a:r>
+              <a:rPr lang="en-US" altLang="zh-CN" dirty="0">
+                <a:latin typeface="Arial" panose="020B0604020202020204" pitchFamily="34" charset="0"/>
+              </a:rPr>
+              <a:t>k-means</a:t>
+            </a:r>
+            <a:r>
+              <a:rPr lang="zh-CN" altLang="en-US" dirty="0">
+                <a:effectLst/>
+                <a:latin typeface="Arial" panose="020B0604020202020204" pitchFamily="34" charset="0"/>
+              </a:rPr>
+              <a:t>先初始化簇</a:t>
+            </a:r>
+            <a:r>
+              <a:rPr lang="zh-CN" altLang="en-US" dirty="0">
+                <a:latin typeface="Arial" panose="020B0604020202020204" pitchFamily="34" charset="0"/>
+              </a:rPr>
+              <a:t>类中心，逐渐调整决策边界；</a:t>
+            </a:r>
+            <a:endParaRPr lang="en-US" altLang="zh-CN" dirty="0">
+              <a:latin typeface="Arial" panose="020B0604020202020204" pitchFamily="34" charset="0"/>
+            </a:endParaRPr>
+          </a:p>
+          <a:p>
+            <a:endParaRPr lang="en-US" altLang="zh-CN" dirty="0">
+              <a:latin typeface="Arial" panose="020B0604020202020204" pitchFamily="34" charset="0"/>
+            </a:endParaRPr>
+          </a:p>
+          <a:p>
+            <a:r>
+              <a:rPr lang="zh-CN" altLang="en-US" dirty="0">
+                <a:latin typeface="Arial" panose="020B0604020202020204" pitchFamily="34" charset="0"/>
+              </a:rPr>
+              <a:t>然后固定住</a:t>
+            </a:r>
+            <a:r>
+              <a:rPr lang="zh-CN" altLang="en-US" dirty="0">
+                <a:effectLst/>
+                <a:latin typeface="Arial" panose="020B0604020202020204" pitchFamily="34" charset="0"/>
+              </a:rPr>
+              <a:t>簇</a:t>
+            </a:r>
+            <a:r>
+              <a:rPr lang="zh-CN" altLang="en-US" dirty="0">
+                <a:latin typeface="Arial" panose="020B0604020202020204" pitchFamily="34" charset="0"/>
+              </a:rPr>
+              <a:t>类中心，开始</a:t>
+            </a:r>
+            <a:r>
+              <a:rPr lang="zh-CN" altLang="en-US" dirty="0"/>
+              <a:t>finetune</a:t>
+            </a:r>
+          </a:p>
+        </p:txBody>
+      </p:sp>
+      <p:sp>
+        <p:nvSpPr>
+          <p:cNvPr id="8" name="文本框 7">
+            <a:extLst>
+              <a:ext uri="{FF2B5EF4-FFF2-40B4-BE49-F238E27FC236}">
+                <a16:creationId xmlns:a16="http://schemas.microsoft.com/office/drawing/2014/main" id="{03157ED5-FFE3-416D-8413-0C9CCF3DE7CE}"/>
+              </a:ext>
+            </a:extLst>
+          </p:cNvPr>
+          <p:cNvSpPr txBox="1"/>
+          <p:nvPr/>
+        </p:nvSpPr>
+        <p:spPr>
+          <a:xfrm>
+            <a:off x="7511241" y="2980631"/>
+            <a:ext cx="4366532" cy="2862322"/>
+          </a:xfrm>
+          <a:prstGeom prst="rect">
+            <a:avLst/>
+          </a:prstGeom>
+          <a:noFill/>
+        </p:spPr>
+        <p:txBody>
+          <a:bodyPr wrap="square" rtlCol="0">
+            <a:spAutoFit/>
+          </a:bodyPr>
+          <a:lstStyle/>
+          <a:p>
+            <a:r>
+              <a:rPr lang="en-US" altLang="zh-CN" dirty="0">
+                <a:effectLst/>
+                <a:latin typeface="Arial" panose="020B0604020202020204" pitchFamily="34" charset="0"/>
+              </a:rPr>
+              <a:t>(c)</a:t>
+            </a:r>
+            <a:r>
+              <a:rPr lang="zh-CN" altLang="en-US" dirty="0">
+                <a:effectLst/>
+                <a:latin typeface="Arial" panose="020B0604020202020204" pitchFamily="34" charset="0"/>
+              </a:rPr>
+              <a:t>：</a:t>
+            </a:r>
+            <a:r>
+              <a:rPr lang="zh-CN" altLang="en-US" b="1" dirty="0">
+                <a:effectLst/>
+                <a:latin typeface="Arial" panose="020B0604020202020204" pitchFamily="34" charset="0"/>
+              </a:rPr>
+              <a:t>当固定住簇类中心</a:t>
+            </a:r>
+            <a:r>
+              <a:rPr lang="zh-CN" altLang="en-US" dirty="0">
+                <a:effectLst/>
+                <a:latin typeface="Arial" panose="020B0604020202020204" pitchFamily="34" charset="0"/>
+              </a:rPr>
+              <a:t>，训练编码器就能让同一簇中的示例拉近特征空间中的簇中心，</a:t>
+            </a:r>
+            <a:r>
+              <a:rPr lang="zh-CN" altLang="en-US" b="1" dirty="0">
+                <a:effectLst/>
+                <a:latin typeface="Arial" panose="020B0604020202020204" pitchFamily="34" charset="0"/>
+              </a:rPr>
+              <a:t>靠近聚类边界的不可靠示例很容易被拉到其他簇</a:t>
+            </a:r>
+            <a:r>
+              <a:rPr lang="en-US" altLang="zh-CN" b="1" dirty="0">
+                <a:effectLst/>
+                <a:latin typeface="Arial" panose="020B0604020202020204" pitchFamily="34" charset="0"/>
+              </a:rPr>
+              <a:t>.</a:t>
+            </a:r>
+            <a:endParaRPr lang="en-US" altLang="zh-CN" dirty="0">
+              <a:latin typeface="Arial" panose="020B0604020202020204" pitchFamily="34" charset="0"/>
+            </a:endParaRPr>
+          </a:p>
+          <a:p>
+            <a:endParaRPr lang="en-US" altLang="zh-CN" dirty="0">
+              <a:latin typeface="Arial" panose="020B0604020202020204" pitchFamily="34" charset="0"/>
+            </a:endParaRPr>
+          </a:p>
+          <a:p>
+            <a:endParaRPr lang="en-US" altLang="zh-CN" dirty="0"/>
+          </a:p>
+          <a:p>
+            <a:r>
+              <a:rPr lang="en-US" altLang="zh-CN" dirty="0"/>
+              <a:t>(d)</a:t>
+            </a:r>
+            <a:r>
+              <a:rPr lang="en-US" altLang="zh-CN" dirty="0">
+                <a:latin typeface="Arial" panose="020B0604020202020204" pitchFamily="34" charset="0"/>
+              </a:rPr>
+              <a:t> </a:t>
+            </a:r>
+            <a:r>
+              <a:rPr lang="zh-CN" altLang="en-US" dirty="0">
+                <a:latin typeface="Arial" panose="020B0604020202020204" pitchFamily="34" charset="0"/>
+              </a:rPr>
+              <a:t>特征点离聚类中心远，反馈给网络的梯度比较大，耽误</a:t>
+            </a:r>
+            <a:r>
+              <a:rPr lang="en-US" altLang="zh-CN" dirty="0">
+                <a:latin typeface="Arial" panose="020B0604020202020204" pitchFamily="34" charset="0"/>
+              </a:rPr>
+              <a:t>DNN</a:t>
+            </a:r>
+            <a:r>
+              <a:rPr lang="zh-CN" altLang="en-US" dirty="0">
+                <a:latin typeface="Arial" panose="020B0604020202020204" pitchFamily="34" charset="0"/>
+              </a:rPr>
+              <a:t>训练</a:t>
+            </a:r>
+            <a:endParaRPr lang="en-US" altLang="zh-CN" dirty="0"/>
+          </a:p>
+          <a:p>
+            <a:r>
+              <a:rPr lang="zh-CN" altLang="en-US" dirty="0"/>
+              <a:t>因此采用</a:t>
+            </a:r>
+            <a:r>
+              <a:rPr lang="zh-CN" altLang="en-US" b="1" dirty="0"/>
+              <a:t>自适应学习</a:t>
+            </a:r>
+            <a:r>
+              <a:rPr lang="zh-CN" altLang="en-US" dirty="0"/>
+              <a:t>，选择最自信的例子来训练编码器</a:t>
+            </a:r>
+          </a:p>
+        </p:txBody>
+      </p:sp>
+      <p:pic>
+        <p:nvPicPr>
+          <p:cNvPr id="10" name="图片 9">
+            <a:extLst>
+              <a:ext uri="{FF2B5EF4-FFF2-40B4-BE49-F238E27FC236}">
+                <a16:creationId xmlns:a16="http://schemas.microsoft.com/office/drawing/2014/main" id="{3430AB17-1D18-492F-B83A-88D01CCEC06E}"/>
+              </a:ext>
+            </a:extLst>
+          </p:cNvPr>
+          <p:cNvPicPr>
+            <a:picLocks noChangeAspect="1"/>
+          </p:cNvPicPr>
+          <p:nvPr/>
+        </p:nvPicPr>
+        <p:blipFill>
+          <a:blip r:embed="rId3"/>
+          <a:stretch>
+            <a:fillRect/>
+          </a:stretch>
+        </p:blipFill>
+        <p:spPr>
+          <a:xfrm>
+            <a:off x="3465806" y="5345482"/>
+            <a:ext cx="3162741" cy="1333686"/>
+          </a:xfrm>
+          <a:prstGeom prst="rect">
+            <a:avLst/>
+          </a:prstGeom>
+        </p:spPr>
+      </p:pic>
+      <p:pic>
+        <p:nvPicPr>
+          <p:cNvPr id="12" name="图片 11">
+            <a:extLst>
+              <a:ext uri="{FF2B5EF4-FFF2-40B4-BE49-F238E27FC236}">
+                <a16:creationId xmlns:a16="http://schemas.microsoft.com/office/drawing/2014/main" id="{D287F00F-16AE-4F54-B0CD-04005761BC11}"/>
+              </a:ext>
+            </a:extLst>
+          </p:cNvPr>
+          <p:cNvPicPr>
+            <a:picLocks noChangeAspect="1"/>
+          </p:cNvPicPr>
+          <p:nvPr/>
+        </p:nvPicPr>
+        <p:blipFill>
+          <a:blip r:embed="rId4"/>
+          <a:stretch>
+            <a:fillRect/>
+          </a:stretch>
+        </p:blipFill>
+        <p:spPr>
+          <a:xfrm>
+            <a:off x="0" y="5426690"/>
+            <a:ext cx="3343742" cy="1247949"/>
+          </a:xfrm>
+          <a:prstGeom prst="rect">
+            <a:avLst/>
+          </a:prstGeom>
+        </p:spPr>
+      </p:pic>
+      <p:sp>
+        <p:nvSpPr>
+          <p:cNvPr id="14" name="文本框 13">
+            <a:extLst>
+              <a:ext uri="{FF2B5EF4-FFF2-40B4-BE49-F238E27FC236}">
+                <a16:creationId xmlns:a16="http://schemas.microsoft.com/office/drawing/2014/main" id="{3C1998E0-053B-403B-87E3-FA91CBAE1794}"/>
+              </a:ext>
+            </a:extLst>
+          </p:cNvPr>
+          <p:cNvSpPr txBox="1"/>
+          <p:nvPr/>
+        </p:nvSpPr>
+        <p:spPr>
+          <a:xfrm>
+            <a:off x="4291738" y="5124075"/>
+            <a:ext cx="1108256" cy="369332"/>
+          </a:xfrm>
+          <a:prstGeom prst="rect">
+            <a:avLst/>
+          </a:prstGeom>
+          <a:noFill/>
+        </p:spPr>
+        <p:txBody>
+          <a:bodyPr wrap="square">
+            <a:spAutoFit/>
+          </a:bodyPr>
+          <a:lstStyle/>
+          <a:p>
+            <a:r>
+              <a:rPr lang="zh-CN" altLang="en-US" b="1" dirty="0"/>
+              <a:t>finetune</a:t>
+            </a:r>
+          </a:p>
+        </p:txBody>
+      </p:sp>
+      <p:sp>
+        <p:nvSpPr>
+          <p:cNvPr id="16" name="文本框 15">
+            <a:extLst>
+              <a:ext uri="{FF2B5EF4-FFF2-40B4-BE49-F238E27FC236}">
+                <a16:creationId xmlns:a16="http://schemas.microsoft.com/office/drawing/2014/main" id="{9D137696-7556-43E0-B861-3676DCB20D03}"/>
+              </a:ext>
+            </a:extLst>
+          </p:cNvPr>
+          <p:cNvSpPr txBox="1"/>
+          <p:nvPr/>
+        </p:nvSpPr>
+        <p:spPr>
+          <a:xfrm>
+            <a:off x="952077" y="5156287"/>
+            <a:ext cx="1108256" cy="369332"/>
+          </a:xfrm>
+          <a:prstGeom prst="rect">
+            <a:avLst/>
+          </a:prstGeom>
+          <a:noFill/>
+        </p:spPr>
+        <p:txBody>
+          <a:bodyPr wrap="square">
+            <a:spAutoFit/>
+          </a:bodyPr>
+          <a:lstStyle/>
+          <a:p>
+            <a:r>
+              <a:rPr lang="en-US" altLang="zh-CN" dirty="0">
+                <a:latin typeface="Arial" panose="020B0604020202020204" pitchFamily="34" charset="0"/>
+              </a:rPr>
+              <a:t>k-means</a:t>
+            </a:r>
+            <a:endParaRPr lang="zh-CN" altLang="en-US" dirty="0"/>
+          </a:p>
+        </p:txBody>
+      </p:sp>
+      <p:sp>
+        <p:nvSpPr>
+          <p:cNvPr id="18" name="文本框 17">
+            <a:extLst>
+              <a:ext uri="{FF2B5EF4-FFF2-40B4-BE49-F238E27FC236}">
+                <a16:creationId xmlns:a16="http://schemas.microsoft.com/office/drawing/2014/main" id="{1B28B52A-145E-4A2A-AEE3-42D651A2AE3A}"/>
+              </a:ext>
+            </a:extLst>
+          </p:cNvPr>
+          <p:cNvSpPr txBox="1"/>
+          <p:nvPr/>
+        </p:nvSpPr>
+        <p:spPr>
+          <a:xfrm>
+            <a:off x="3343742" y="157157"/>
+            <a:ext cx="2056252" cy="369332"/>
+          </a:xfrm>
+          <a:prstGeom prst="rect">
+            <a:avLst/>
+          </a:prstGeom>
+          <a:noFill/>
+        </p:spPr>
+        <p:txBody>
+          <a:bodyPr wrap="square">
+            <a:spAutoFit/>
+          </a:bodyPr>
+          <a:lstStyle/>
+          <a:p>
+            <a:r>
+              <a:rPr lang="en-US" altLang="zh-CN" b="1" i="0" dirty="0">
+                <a:solidFill>
+                  <a:srgbClr val="4D4D4D"/>
+                </a:solidFill>
+                <a:effectLst/>
+                <a:latin typeface="-apple-system"/>
+              </a:rPr>
+              <a:t>fine-tunning</a:t>
+            </a:r>
+            <a:r>
+              <a:rPr lang="zh-CN" altLang="en-US" b="1" i="0" dirty="0">
+                <a:solidFill>
+                  <a:srgbClr val="4D4D4D"/>
+                </a:solidFill>
+                <a:effectLst/>
+                <a:latin typeface="-apple-system"/>
+              </a:rPr>
+              <a:t>阶段</a:t>
+            </a:r>
+            <a:endParaRPr lang="zh-CN" altLang="en-US" b="1" dirty="0"/>
+          </a:p>
+        </p:txBody>
+      </p:sp>
+    </p:spTree>
+    <p:extLst>
+      <p:ext uri="{BB962C8B-B14F-4D97-AF65-F5344CB8AC3E}">
+        <p14:creationId xmlns:p14="http://schemas.microsoft.com/office/powerpoint/2010/main" val="413529334"/>
+      </p:ext>
+    </p:extLst>
+  </p:cSld>
+  <p:clrMapOvr>
+    <a:masterClrMapping/>
+  </p:clrMapOvr>
+</p:sld>
+</file>
+
+<file path=ppt/slides/slide3.xml><?xml version="1.0" encoding="utf-8"?>
+<p:sld xmlns:a="http://schemas.openxmlformats.org/drawingml/2006/main" xmlns:r="http://schemas.openxmlformats.org/officeDocument/2006/relationships" xmlns:p="http://schemas.openxmlformats.org/presentationml/2006/main">
+  <p:cSld>
+    <p:spTree>
+      <p:nvGrpSpPr>
+        <p:cNvPr id="1" name=""/>
+        <p:cNvGrpSpPr/>
+        <p:nvPr/>
+      </p:nvGrpSpPr>
+      <p:grpSpPr>
+        <a:xfrm>
+          <a:off x="0" y="0"/>
+          <a:ext cx="0" cy="0"/>
+          <a:chOff x="0" y="0"/>
+          <a:chExt cx="0" cy="0"/>
+        </a:xfrm>
+      </p:grpSpPr>
+      <p:pic>
+        <p:nvPicPr>
+          <p:cNvPr id="6" name="图片 5">
+            <a:extLst>
+              <a:ext uri="{FF2B5EF4-FFF2-40B4-BE49-F238E27FC236}">
+                <a16:creationId xmlns:a16="http://schemas.microsoft.com/office/drawing/2014/main" id="{AC31D7E9-AC78-477C-A4ED-54F86319BD08}"/>
+              </a:ext>
+            </a:extLst>
+          </p:cNvPr>
+          <p:cNvPicPr>
+            <a:picLocks noChangeAspect="1"/>
+          </p:cNvPicPr>
+          <p:nvPr/>
+        </p:nvPicPr>
+        <p:blipFill>
+          <a:blip r:embed="rId3"/>
+          <a:stretch>
+            <a:fillRect/>
+          </a:stretch>
+        </p:blipFill>
+        <p:spPr>
+          <a:xfrm>
+            <a:off x="0" y="49872"/>
+            <a:ext cx="8663233" cy="5092625"/>
+          </a:xfrm>
+          <a:prstGeom prst="rect">
+            <a:avLst/>
+          </a:prstGeom>
+        </p:spPr>
+      </p:pic>
+      <p:sp>
+        <p:nvSpPr>
+          <p:cNvPr id="7" name="文本框 6">
+            <a:extLst>
+              <a:ext uri="{FF2B5EF4-FFF2-40B4-BE49-F238E27FC236}">
+                <a16:creationId xmlns:a16="http://schemas.microsoft.com/office/drawing/2014/main" id="{43C5148C-5174-4B14-91E4-E20B9DEE54C8}"/>
+              </a:ext>
+            </a:extLst>
+          </p:cNvPr>
+          <p:cNvSpPr txBox="1"/>
+          <p:nvPr/>
+        </p:nvSpPr>
+        <p:spPr>
+          <a:xfrm>
+            <a:off x="155780" y="5029154"/>
+            <a:ext cx="7707250" cy="1477328"/>
+          </a:xfrm>
+          <a:prstGeom prst="rect">
+            <a:avLst/>
+          </a:prstGeom>
+          <a:noFill/>
+        </p:spPr>
+        <p:txBody>
+          <a:bodyPr wrap="square">
+            <a:spAutoFit/>
+          </a:bodyPr>
+          <a:lstStyle/>
+          <a:p>
+            <a:endParaRPr lang="en-US" altLang="zh-CN" dirty="0">
+              <a:latin typeface="Arial" panose="020B0604020202020204" pitchFamily="34" charset="0"/>
+            </a:endParaRPr>
+          </a:p>
+          <a:p>
+            <a:r>
+              <a:rPr lang="zh-CN" altLang="en-US" dirty="0">
+                <a:effectLst/>
+                <a:latin typeface="Arial" panose="020B0604020202020204" pitchFamily="34" charset="0"/>
+              </a:rPr>
+              <a:t>在第二阶段，交替地使用</a:t>
+            </a:r>
+            <a:r>
+              <a:rPr lang="zh-CN" altLang="en-US" b="1" dirty="0">
+                <a:effectLst/>
+                <a:latin typeface="Arial" panose="020B0604020202020204" pitchFamily="34" charset="0"/>
+              </a:rPr>
+              <a:t>增强示例</a:t>
+            </a:r>
+            <a:r>
+              <a:rPr lang="zh-CN" altLang="en-US" dirty="0">
+                <a:effectLst/>
+                <a:latin typeface="Arial" panose="020B0604020202020204" pitchFamily="34" charset="0"/>
+              </a:rPr>
+              <a:t>微调编码器；</a:t>
+            </a:r>
+            <a:endParaRPr lang="en-US" altLang="zh-CN" dirty="0">
+              <a:effectLst/>
+              <a:latin typeface="Arial" panose="020B0604020202020204" pitchFamily="34" charset="0"/>
+            </a:endParaRPr>
+          </a:p>
+          <a:p>
+            <a:r>
+              <a:rPr lang="zh-CN" altLang="en-US" dirty="0">
+                <a:effectLst/>
+                <a:latin typeface="Arial" panose="020B0604020202020204" pitchFamily="34" charset="0"/>
+              </a:rPr>
+              <a:t>在微调编码器的过程中，损失函数中每个增强示例的目标是将干净示例分配给的集群的中心。为了稳定网络训练，我们在每次迭代中利用自适应自适应学习选择最自信的例子。</a:t>
+            </a:r>
+            <a:endParaRPr lang="zh-CN" altLang="en-US" dirty="0"/>
+          </a:p>
+        </p:txBody>
+      </p:sp>
+      <p:sp>
+        <p:nvSpPr>
+          <p:cNvPr id="9" name="文本框 8">
+            <a:extLst>
+              <a:ext uri="{FF2B5EF4-FFF2-40B4-BE49-F238E27FC236}">
+                <a16:creationId xmlns:a16="http://schemas.microsoft.com/office/drawing/2014/main" id="{F7821A1A-0E05-4F9A-AA4D-8B251777D517}"/>
+              </a:ext>
+            </a:extLst>
+          </p:cNvPr>
+          <p:cNvSpPr txBox="1"/>
+          <p:nvPr/>
+        </p:nvSpPr>
+        <p:spPr>
+          <a:xfrm>
+            <a:off x="7118022" y="594137"/>
+            <a:ext cx="5073978" cy="923330"/>
+          </a:xfrm>
+          <a:prstGeom prst="rect">
+            <a:avLst/>
+          </a:prstGeom>
+          <a:noFill/>
+        </p:spPr>
+        <p:txBody>
+          <a:bodyPr wrap="square">
+            <a:spAutoFit/>
+          </a:bodyPr>
+          <a:lstStyle/>
+          <a:p>
+            <a:r>
+              <a:rPr lang="zh-CN" altLang="en-US" dirty="0">
+                <a:effectLst/>
+                <a:latin typeface="Arial" panose="020B0604020202020204" pitchFamily="34" charset="0"/>
+              </a:rPr>
+              <a:t>在第一阶段，通过训练一个自动编码器来学习鲁棒性特征，并通过</a:t>
+            </a:r>
+            <a:r>
+              <a:rPr lang="zh-CN" altLang="en-US" b="1" dirty="0">
+                <a:effectLst/>
+                <a:latin typeface="Arial" panose="020B0604020202020204" pitchFamily="34" charset="0"/>
+              </a:rPr>
+              <a:t>随机移动和旋转</a:t>
+            </a:r>
+            <a:r>
+              <a:rPr lang="zh-CN" altLang="en-US" dirty="0">
+                <a:effectLst/>
+                <a:latin typeface="Arial" panose="020B0604020202020204" pitchFamily="34" charset="0"/>
+              </a:rPr>
+              <a:t>给定的</a:t>
+            </a:r>
+            <a:r>
+              <a:rPr lang="zh-CN" altLang="en-US" b="1" dirty="0">
+                <a:effectLst/>
+                <a:latin typeface="Arial" panose="020B0604020202020204" pitchFamily="34" charset="0"/>
+              </a:rPr>
+              <a:t>干净</a:t>
+            </a:r>
+            <a:r>
+              <a:rPr lang="zh-CN" altLang="en-US" dirty="0">
+                <a:effectLst/>
+                <a:latin typeface="Arial" panose="020B0604020202020204" pitchFamily="34" charset="0"/>
+              </a:rPr>
+              <a:t>示例来增强示例。</a:t>
+            </a:r>
+            <a:endParaRPr lang="en-US" altLang="zh-CN" dirty="0">
+              <a:effectLst/>
+              <a:latin typeface="Arial" panose="020B0604020202020204" pitchFamily="34" charset="0"/>
+            </a:endParaRPr>
+          </a:p>
+        </p:txBody>
+      </p:sp>
+      <p:sp>
+        <p:nvSpPr>
+          <p:cNvPr id="14" name="文本框 13">
+            <a:extLst>
+              <a:ext uri="{FF2B5EF4-FFF2-40B4-BE49-F238E27FC236}">
+                <a16:creationId xmlns:a16="http://schemas.microsoft.com/office/drawing/2014/main" id="{136E95F5-D9DE-4CA3-8243-E87223BB9A85}"/>
+              </a:ext>
+            </a:extLst>
+          </p:cNvPr>
+          <p:cNvSpPr txBox="1"/>
+          <p:nvPr/>
+        </p:nvSpPr>
+        <p:spPr>
+          <a:xfrm>
+            <a:off x="8155261" y="3971580"/>
+            <a:ext cx="3397316" cy="923330"/>
+          </a:xfrm>
+          <a:prstGeom prst="rect">
+            <a:avLst/>
+          </a:prstGeom>
+          <a:noFill/>
+        </p:spPr>
+        <p:txBody>
+          <a:bodyPr wrap="square" rtlCol="0">
+            <a:spAutoFit/>
+          </a:bodyPr>
+          <a:lstStyle/>
+          <a:p>
+            <a:r>
+              <a:rPr lang="en-US" altLang="zh-CN" b="1" dirty="0"/>
+              <a:t>w</a:t>
+            </a:r>
+            <a:r>
+              <a:rPr lang="zh-CN" altLang="en-US" dirty="0"/>
+              <a:t>：</a:t>
+            </a:r>
+            <a:r>
+              <a:rPr lang="en-US" altLang="zh-CN" dirty="0"/>
+              <a:t>feature learning, </a:t>
+            </a:r>
+          </a:p>
+          <a:p>
+            <a:r>
+              <a:rPr lang="en-US" altLang="zh-CN" b="1" dirty="0"/>
+              <a:t>v</a:t>
+            </a:r>
+            <a:r>
+              <a:rPr lang="zh-CN" altLang="en-US" dirty="0"/>
+              <a:t>：</a:t>
+            </a:r>
+            <a:r>
+              <a:rPr lang="en-US" altLang="zh-CN" dirty="0"/>
+              <a:t>reliable examples selection</a:t>
+            </a:r>
+          </a:p>
+          <a:p>
+            <a:r>
+              <a:rPr lang="en-US" altLang="zh-CN" b="1" dirty="0"/>
+              <a:t>s</a:t>
+            </a:r>
+            <a:r>
+              <a:rPr lang="zh-CN" altLang="en-US" dirty="0"/>
+              <a:t>：</a:t>
+            </a:r>
+            <a:r>
+              <a:rPr lang="en-US" altLang="zh-CN" dirty="0"/>
+              <a:t>cluster assignment</a:t>
+            </a:r>
+            <a:endParaRPr lang="zh-CN" altLang="en-US" dirty="0"/>
+          </a:p>
+        </p:txBody>
+      </p:sp>
+    </p:spTree>
+    <p:extLst>
+      <p:ext uri="{BB962C8B-B14F-4D97-AF65-F5344CB8AC3E}">
+        <p14:creationId xmlns:p14="http://schemas.microsoft.com/office/powerpoint/2010/main" val="321467336"/>
+      </p:ext>
+    </p:extLst>
+  </p:cSld>
+  <p:clrMapOvr>
+    <a:masterClrMapping/>
+  </p:clrMapOvr>
+</p:sld>
+</file>
+
 <file path=ppt/slides/slide4.xml><?xml version="1.0" encoding="utf-8"?>
 <p:sld xmlns:a="http://schemas.openxmlformats.org/drawingml/2006/main" xmlns:r="http://schemas.openxmlformats.org/officeDocument/2006/relationships" xmlns:p="http://schemas.openxmlformats.org/presentationml/2006/main">
   <p:cSld>
@@ -5316,10 +5175,145 @@
       </p:grpSpPr>
       <p:pic>
         <p:nvPicPr>
-          <p:cNvPr id="4" name="图片 3">
-            <a:extLst>
-              <a:ext uri="{FF2B5EF4-FFF2-40B4-BE49-F238E27FC236}">
-                <a16:creationId xmlns:a16="http://schemas.microsoft.com/office/drawing/2014/main" id="{4A2AAA79-8C45-47A7-A34C-0CABD7E75626}"/>
+          <p:cNvPr id="4" name="图片 3" descr="\documentclass{article}&#10;\usepackage{amsmath}&#10;\pagestyle{empty}&#10;\begin{document}&#10;&#10;given $D={(x_1,y_1),(x_2,y_2)...(x_n,y_n)}$&#10;&#10;&#10;\end{document}" title="IguanaTex Bitmap Display">
+            <a:extLst>
+              <a:ext uri="{FF2B5EF4-FFF2-40B4-BE49-F238E27FC236}">
+                <a16:creationId xmlns:a16="http://schemas.microsoft.com/office/drawing/2014/main" id="{1B070F8A-4F0A-42D3-96E6-7260729BC542}"/>
+              </a:ext>
+            </a:extLst>
+          </p:cNvPr>
+          <p:cNvPicPr>
+            <a:picLocks noChangeAspect="1"/>
+          </p:cNvPicPr>
+          <p:nvPr>
+            <p:custDataLst>
+              <p:tags r:id="rId1"/>
+            </p:custDataLst>
+          </p:nvPr>
+        </p:nvPicPr>
+        <p:blipFill>
+          <a:blip r:embed="rId4">
+            <a:extLst>
+              <a:ext uri="{28A0092B-C50C-407E-A947-70E740481C1C}">
+                <a14:useLocalDpi xmlns:a14="http://schemas.microsoft.com/office/drawing/2010/main" val="0"/>
+              </a:ext>
+            </a:extLst>
+          </a:blip>
+          <a:stretch>
+            <a:fillRect/>
+          </a:stretch>
+        </p:blipFill>
+        <p:spPr>
+          <a:xfrm>
+            <a:off x="186409" y="188161"/>
+            <a:ext cx="3969524" cy="254476"/>
+          </a:xfrm>
+          <a:prstGeom prst="rect">
+            <a:avLst/>
+          </a:prstGeom>
+        </p:spPr>
+      </p:pic>
+      <p:pic>
+        <p:nvPicPr>
+          <p:cNvPr id="5" name="图片 4" descr="\documentclass{article}&#10;\usepackage{amsmath}&#10;\pagestyle{empty}&#10;\usepackage{amssymb}&#10;\begin{document}&#10;&#10;&#10;learning model $f$ with parameters $\mathbf{w}$&#10;&#10;\end{document}" title="IguanaTex Bitmap Display">
+            <a:extLst>
+              <a:ext uri="{FF2B5EF4-FFF2-40B4-BE49-F238E27FC236}">
+                <a16:creationId xmlns:a16="http://schemas.microsoft.com/office/drawing/2014/main" id="{780E8AD9-EF19-4C08-BAB2-D1446E89B0F0}"/>
+              </a:ext>
+            </a:extLst>
+          </p:cNvPr>
+          <p:cNvPicPr>
+            <a:picLocks noChangeAspect="1"/>
+          </p:cNvPicPr>
+          <p:nvPr>
+            <p:custDataLst>
+              <p:tags r:id="rId2"/>
+            </p:custDataLst>
+          </p:nvPr>
+        </p:nvPicPr>
+        <p:blipFill>
+          <a:blip r:embed="rId5">
+            <a:extLst>
+              <a:ext uri="{28A0092B-C50C-407E-A947-70E740481C1C}">
+                <a14:useLocalDpi xmlns:a14="http://schemas.microsoft.com/office/drawing/2010/main" val="0"/>
+              </a:ext>
+            </a:extLst>
+          </a:blip>
+          <a:stretch>
+            <a:fillRect/>
+          </a:stretch>
+        </p:blipFill>
+        <p:spPr>
+          <a:xfrm>
+            <a:off x="186409" y="635881"/>
+            <a:ext cx="3635657" cy="207086"/>
+          </a:xfrm>
+          <a:prstGeom prst="rect">
+            <a:avLst/>
+          </a:prstGeom>
+        </p:spPr>
+      </p:pic>
+      <p:sp>
+        <p:nvSpPr>
+          <p:cNvPr id="6" name="文本框 5">
+            <a:extLst>
+              <a:ext uri="{FF2B5EF4-FFF2-40B4-BE49-F238E27FC236}">
+                <a16:creationId xmlns:a16="http://schemas.microsoft.com/office/drawing/2014/main" id="{5F400FDD-2275-442C-989E-0F85B2FE20F5}"/>
+              </a:ext>
+            </a:extLst>
+          </p:cNvPr>
+          <p:cNvSpPr txBox="1"/>
+          <p:nvPr/>
+        </p:nvSpPr>
+        <p:spPr>
+          <a:xfrm>
+            <a:off x="-1" y="1036211"/>
+            <a:ext cx="5938887" cy="369332"/>
+          </a:xfrm>
+          <a:prstGeom prst="rect">
+            <a:avLst/>
+          </a:prstGeom>
+          <a:noFill/>
+        </p:spPr>
+        <p:txBody>
+          <a:bodyPr wrap="square" rtlCol="0">
+            <a:spAutoFit/>
+          </a:bodyPr>
+          <a:lstStyle/>
+          <a:p>
+            <a:r>
+              <a:rPr lang="en-US" altLang="zh-CN" b="1" dirty="0"/>
+              <a:t>1.Pre-training</a:t>
+            </a:r>
+            <a:r>
+              <a:rPr lang="zh-CN" altLang="en-US" dirty="0"/>
+              <a:t>：</a:t>
+            </a:r>
+            <a:r>
+              <a:rPr lang="en-US" altLang="zh-CN" dirty="0"/>
+              <a:t>auto-encoder</a:t>
+            </a:r>
+            <a:r>
+              <a:rPr lang="zh-CN" altLang="en-US" dirty="0"/>
+              <a:t> </a:t>
+            </a:r>
+            <a:r>
+              <a:rPr lang="en-US" altLang="zh-CN" dirty="0"/>
+              <a:t>with </a:t>
+            </a:r>
+            <a:r>
+              <a:rPr lang="zh-CN" altLang="en-US" dirty="0"/>
+              <a:t>DataAugmentation</a:t>
+            </a:r>
+          </a:p>
+        </p:txBody>
+      </p:sp>
+      <p:pic>
+        <p:nvPicPr>
+          <p:cNvPr id="8" name="图片 7">
+            <a:extLst>
+              <a:ext uri="{FF2B5EF4-FFF2-40B4-BE49-F238E27FC236}">
+                <a16:creationId xmlns:a16="http://schemas.microsoft.com/office/drawing/2014/main" id="{A2389627-CCC5-4AA1-92E8-7E44C52A444D}"/>
               </a:ext>
             </a:extLst>
           </p:cNvPr>
@@ -5329,310 +5323,27 @@
           <p:nvPr/>
         </p:nvPicPr>
         <p:blipFill>
-          <a:blip r:embed="rId2"/>
+          <a:blip r:embed="rId6"/>
           <a:stretch>
             <a:fillRect/>
           </a:stretch>
         </p:blipFill>
         <p:spPr>
           <a:xfrm>
-            <a:off x="0" y="404547"/>
-            <a:ext cx="9289527" cy="2606184"/>
+            <a:off x="571433" y="1337520"/>
+            <a:ext cx="4101149" cy="1124509"/>
           </a:xfrm>
           <a:prstGeom prst="rect">
             <a:avLst/>
           </a:prstGeom>
         </p:spPr>
       </p:pic>
-      <p:sp>
-        <p:nvSpPr>
-          <p:cNvPr id="6" name="文本框 5">
-            <a:extLst>
-              <a:ext uri="{FF2B5EF4-FFF2-40B4-BE49-F238E27FC236}">
-                <a16:creationId xmlns:a16="http://schemas.microsoft.com/office/drawing/2014/main" id="{F532FFD1-83B9-4294-A9DA-448F276340C3}"/>
-              </a:ext>
-            </a:extLst>
-          </p:cNvPr>
-          <p:cNvSpPr txBox="1"/>
-          <p:nvPr/>
-        </p:nvSpPr>
-        <p:spPr>
-          <a:xfrm>
-            <a:off x="191447" y="3010731"/>
-            <a:ext cx="6548718" cy="1754326"/>
-          </a:xfrm>
-          <a:prstGeom prst="rect">
-            <a:avLst/>
-          </a:prstGeom>
-          <a:noFill/>
-        </p:spPr>
-        <p:txBody>
-          <a:bodyPr wrap="square" rtlCol="0">
-            <a:spAutoFit/>
-          </a:bodyPr>
-          <a:lstStyle/>
-          <a:p>
-            <a:r>
-              <a:rPr lang="en-US" altLang="zh-CN" b="1" dirty="0"/>
-              <a:t>Basic DC</a:t>
-            </a:r>
-            <a:r>
-              <a:rPr lang="zh-CN" altLang="en-US" b="1" dirty="0"/>
-              <a:t>模型</a:t>
-            </a:r>
-            <a:r>
-              <a:rPr lang="zh-CN" altLang="en-US" dirty="0"/>
-              <a:t>：</a:t>
-            </a:r>
-            <a:r>
-              <a:rPr lang="zh-CN" altLang="en-US" dirty="0">
-                <a:effectLst/>
-                <a:latin typeface="Arial" panose="020B0604020202020204" pitchFamily="34" charset="0"/>
-              </a:rPr>
-              <a:t>使用由</a:t>
-            </a:r>
-            <a:r>
-              <a:rPr lang="zh-CN" altLang="en-US" b="1" dirty="0">
-                <a:effectLst/>
-                <a:latin typeface="Arial" panose="020B0604020202020204" pitchFamily="34" charset="0"/>
-              </a:rPr>
-              <a:t>簇类中心和标签分配</a:t>
-            </a:r>
-            <a:r>
-              <a:rPr lang="zh-CN" altLang="en-US" dirty="0">
-                <a:effectLst/>
-                <a:latin typeface="Arial" panose="020B0604020202020204" pitchFamily="34" charset="0"/>
-              </a:rPr>
-              <a:t>定义的损失函数来调整</a:t>
-            </a:r>
-            <a:r>
-              <a:rPr lang="en-US" altLang="zh-CN" dirty="0">
-                <a:effectLst/>
-                <a:latin typeface="Arial" panose="020B0604020202020204" pitchFamily="34" charset="0"/>
-              </a:rPr>
-              <a:t>DNN</a:t>
-            </a:r>
-            <a:r>
-              <a:rPr lang="zh-CN" altLang="en-US" dirty="0">
-                <a:effectLst/>
-                <a:latin typeface="Arial" panose="020B0604020202020204" pitchFamily="34" charset="0"/>
-              </a:rPr>
-              <a:t>的参数</a:t>
-            </a:r>
-            <a:endParaRPr lang="en-US" altLang="zh-CN" dirty="0">
-              <a:effectLst/>
-              <a:latin typeface="Arial" panose="020B0604020202020204" pitchFamily="34" charset="0"/>
-            </a:endParaRPr>
-          </a:p>
-          <a:p>
-            <a:endParaRPr lang="en-US" altLang="zh-CN" dirty="0">
-              <a:latin typeface="Arial" panose="020B0604020202020204" pitchFamily="34" charset="0"/>
-            </a:endParaRPr>
-          </a:p>
-          <a:p>
-            <a:r>
-              <a:rPr lang="en-US" altLang="zh-CN" dirty="0">
-                <a:effectLst/>
-                <a:latin typeface="Arial" panose="020B0604020202020204" pitchFamily="34" charset="0"/>
-              </a:rPr>
-              <a:t>(a)-&gt;(b)</a:t>
-            </a:r>
-            <a:r>
-              <a:rPr lang="zh-CN" altLang="en-US" dirty="0">
-                <a:latin typeface="Arial" panose="020B0604020202020204" pitchFamily="34" charset="0"/>
-              </a:rPr>
-              <a:t>：使用</a:t>
-            </a:r>
-            <a:r>
-              <a:rPr lang="en-US" altLang="zh-CN" dirty="0">
-                <a:latin typeface="Arial" panose="020B0604020202020204" pitchFamily="34" charset="0"/>
-              </a:rPr>
-              <a:t>k-means</a:t>
-            </a:r>
-            <a:r>
-              <a:rPr lang="zh-CN" altLang="en-US" dirty="0">
-                <a:effectLst/>
-                <a:latin typeface="Arial" panose="020B0604020202020204" pitchFamily="34" charset="0"/>
-              </a:rPr>
-              <a:t>先初始化簇</a:t>
-            </a:r>
-            <a:r>
-              <a:rPr lang="zh-CN" altLang="en-US" dirty="0">
-                <a:latin typeface="Arial" panose="020B0604020202020204" pitchFamily="34" charset="0"/>
-              </a:rPr>
-              <a:t>类中心，逐渐调整决策边界；</a:t>
-            </a:r>
-            <a:endParaRPr lang="en-US" altLang="zh-CN" dirty="0">
-              <a:latin typeface="Arial" panose="020B0604020202020204" pitchFamily="34" charset="0"/>
-            </a:endParaRPr>
-          </a:p>
-          <a:p>
-            <a:endParaRPr lang="en-US" altLang="zh-CN" dirty="0">
-              <a:latin typeface="Arial" panose="020B0604020202020204" pitchFamily="34" charset="0"/>
-            </a:endParaRPr>
-          </a:p>
-          <a:p>
-            <a:r>
-              <a:rPr lang="zh-CN" altLang="en-US" dirty="0">
-                <a:latin typeface="Arial" panose="020B0604020202020204" pitchFamily="34" charset="0"/>
-              </a:rPr>
-              <a:t>然后固定住</a:t>
-            </a:r>
-            <a:r>
-              <a:rPr lang="zh-CN" altLang="en-US" dirty="0">
-                <a:effectLst/>
-                <a:latin typeface="Arial" panose="020B0604020202020204" pitchFamily="34" charset="0"/>
-              </a:rPr>
-              <a:t>簇</a:t>
-            </a:r>
-            <a:r>
-              <a:rPr lang="zh-CN" altLang="en-US" dirty="0">
-                <a:latin typeface="Arial" panose="020B0604020202020204" pitchFamily="34" charset="0"/>
-              </a:rPr>
-              <a:t>类中心，开始</a:t>
-            </a:r>
-            <a:r>
-              <a:rPr lang="zh-CN" altLang="en-US" dirty="0"/>
-              <a:t>finetune</a:t>
-            </a:r>
-          </a:p>
-        </p:txBody>
-      </p:sp>
-      <p:sp>
-        <p:nvSpPr>
-          <p:cNvPr id="8" name="文本框 7">
-            <a:extLst>
-              <a:ext uri="{FF2B5EF4-FFF2-40B4-BE49-F238E27FC236}">
-                <a16:creationId xmlns:a16="http://schemas.microsoft.com/office/drawing/2014/main" id="{03157ED5-FFE3-416D-8413-0C9CCF3DE7CE}"/>
-              </a:ext>
-            </a:extLst>
-          </p:cNvPr>
-          <p:cNvSpPr txBox="1"/>
-          <p:nvPr/>
-        </p:nvSpPr>
-        <p:spPr>
-          <a:xfrm>
-            <a:off x="7511241" y="2980631"/>
-            <a:ext cx="4366532" cy="2862322"/>
-          </a:xfrm>
-          <a:prstGeom prst="rect">
-            <a:avLst/>
-          </a:prstGeom>
-          <a:noFill/>
-        </p:spPr>
-        <p:txBody>
-          <a:bodyPr wrap="square" rtlCol="0">
-            <a:spAutoFit/>
-          </a:bodyPr>
-          <a:lstStyle/>
-          <a:p>
-            <a:r>
-              <a:rPr lang="en-US" altLang="zh-CN" dirty="0">
-                <a:effectLst/>
-                <a:latin typeface="Arial" panose="020B0604020202020204" pitchFamily="34" charset="0"/>
-              </a:rPr>
-              <a:t>(c)</a:t>
-            </a:r>
-            <a:r>
-              <a:rPr lang="zh-CN" altLang="en-US" dirty="0">
-                <a:effectLst/>
-                <a:latin typeface="Arial" panose="020B0604020202020204" pitchFamily="34" charset="0"/>
-              </a:rPr>
-              <a:t>：</a:t>
-            </a:r>
-            <a:r>
-              <a:rPr lang="zh-CN" altLang="en-US" b="1" dirty="0">
-                <a:effectLst/>
-                <a:latin typeface="Arial" panose="020B0604020202020204" pitchFamily="34" charset="0"/>
-              </a:rPr>
-              <a:t>当固定住簇类中心</a:t>
-            </a:r>
-            <a:r>
-              <a:rPr lang="zh-CN" altLang="en-US" dirty="0">
-                <a:effectLst/>
-                <a:latin typeface="Arial" panose="020B0604020202020204" pitchFamily="34" charset="0"/>
-              </a:rPr>
-              <a:t>，训练编码器就能让同一簇中的示例拉近特征空间中的簇中心，</a:t>
-            </a:r>
-            <a:r>
-              <a:rPr lang="zh-CN" altLang="en-US" b="1" dirty="0">
-                <a:effectLst/>
-                <a:latin typeface="Arial" panose="020B0604020202020204" pitchFamily="34" charset="0"/>
-              </a:rPr>
-              <a:t>靠近聚类边界的不可靠示例很容易被拉到其他簇</a:t>
-            </a:r>
-            <a:r>
-              <a:rPr lang="en-US" altLang="zh-CN" b="1" dirty="0">
-                <a:effectLst/>
-                <a:latin typeface="Arial" panose="020B0604020202020204" pitchFamily="34" charset="0"/>
-              </a:rPr>
-              <a:t>.</a:t>
-            </a:r>
-            <a:endParaRPr lang="en-US" altLang="zh-CN" dirty="0">
-              <a:latin typeface="Arial" panose="020B0604020202020204" pitchFamily="34" charset="0"/>
-            </a:endParaRPr>
-          </a:p>
-          <a:p>
-            <a:endParaRPr lang="en-US" altLang="zh-CN" dirty="0">
-              <a:latin typeface="Arial" panose="020B0604020202020204" pitchFamily="34" charset="0"/>
-            </a:endParaRPr>
-          </a:p>
-          <a:p>
-            <a:endParaRPr lang="en-US" altLang="zh-CN" dirty="0"/>
-          </a:p>
-          <a:p>
-            <a:r>
-              <a:rPr lang="en-US" altLang="zh-CN" dirty="0"/>
-              <a:t>(d)</a:t>
-            </a:r>
-            <a:r>
-              <a:rPr lang="en-US" altLang="zh-CN" dirty="0">
-                <a:latin typeface="Arial" panose="020B0604020202020204" pitchFamily="34" charset="0"/>
-              </a:rPr>
-              <a:t> </a:t>
-            </a:r>
-            <a:r>
-              <a:rPr lang="zh-CN" altLang="en-US" dirty="0">
-                <a:latin typeface="Arial" panose="020B0604020202020204" pitchFamily="34" charset="0"/>
-              </a:rPr>
-              <a:t>特征点离聚类中心远，反馈给网络的梯度比较大，耽误</a:t>
-            </a:r>
-            <a:r>
-              <a:rPr lang="en-US" altLang="zh-CN" dirty="0">
-                <a:latin typeface="Arial" panose="020B0604020202020204" pitchFamily="34" charset="0"/>
-              </a:rPr>
-              <a:t>DNN</a:t>
-            </a:r>
-            <a:r>
-              <a:rPr lang="zh-CN" altLang="en-US" dirty="0">
-                <a:latin typeface="Arial" panose="020B0604020202020204" pitchFamily="34" charset="0"/>
-              </a:rPr>
-              <a:t>训练</a:t>
-            </a:r>
-            <a:endParaRPr lang="en-US" altLang="zh-CN" dirty="0"/>
-          </a:p>
-          <a:p>
-            <a:r>
-              <a:rPr lang="zh-CN" altLang="en-US" dirty="0"/>
-              <a:t>因此采用</a:t>
-            </a:r>
-            <a:r>
-              <a:rPr lang="zh-CN" altLang="en-US" b="1" dirty="0"/>
-              <a:t>自适应学习</a:t>
-            </a:r>
-            <a:r>
-              <a:rPr lang="zh-CN" altLang="en-US" dirty="0"/>
-              <a:t>，选择最自信的例子来训练编码器</a:t>
-            </a:r>
-          </a:p>
-        </p:txBody>
-      </p:sp>
       <p:pic>
         <p:nvPicPr>
           <p:cNvPr id="10" name="图片 9">
             <a:extLst>
               <a:ext uri="{FF2B5EF4-FFF2-40B4-BE49-F238E27FC236}">
-                <a16:creationId xmlns:a16="http://schemas.microsoft.com/office/drawing/2014/main" id="{3430AB17-1D18-492F-B83A-88D01CCEC06E}"/>
+                <a16:creationId xmlns:a16="http://schemas.microsoft.com/office/drawing/2014/main" id="{4CF687F0-A214-4D55-8AB4-E9455585FDDD}"/>
               </a:ext>
             </a:extLst>
           </p:cNvPr>
@@ -5642,15 +5353,15 @@
           <p:nvPr/>
         </p:nvPicPr>
         <p:blipFill>
-          <a:blip r:embed="rId3"/>
+          <a:blip r:embed="rId7"/>
           <a:stretch>
             <a:fillRect/>
           </a:stretch>
         </p:blipFill>
         <p:spPr>
           <a:xfrm>
-            <a:off x="3465806" y="5345482"/>
-            <a:ext cx="3162741" cy="1333686"/>
+            <a:off x="8199466" y="1456635"/>
+            <a:ext cx="3638113" cy="1108435"/>
           </a:xfrm>
           <a:prstGeom prst="rect">
             <a:avLst/>
@@ -5662,7 +5373,7 @@
           <p:cNvPr id="12" name="图片 11">
             <a:extLst>
               <a:ext uri="{FF2B5EF4-FFF2-40B4-BE49-F238E27FC236}">
-                <a16:creationId xmlns:a16="http://schemas.microsoft.com/office/drawing/2014/main" id="{D287F00F-16AE-4F54-B0CD-04005761BC11}"/>
+                <a16:creationId xmlns:a16="http://schemas.microsoft.com/office/drawing/2014/main" id="{91F8D1A2-9395-4A6C-B8A4-3DAB1B19AB6C}"/>
               </a:ext>
             </a:extLst>
           </p:cNvPr>
@@ -5672,27 +5383,57 @@
           <p:nvPr/>
         </p:nvPicPr>
         <p:blipFill>
-          <a:blip r:embed="rId4"/>
+          <a:blip r:embed="rId8"/>
           <a:stretch>
             <a:fillRect/>
           </a:stretch>
         </p:blipFill>
         <p:spPr>
           <a:xfrm>
-            <a:off x="0" y="5426690"/>
-            <a:ext cx="3343742" cy="1247949"/>
+            <a:off x="8369936" y="153483"/>
+            <a:ext cx="2987280" cy="1171881"/>
           </a:xfrm>
           <a:prstGeom prst="rect">
             <a:avLst/>
           </a:prstGeom>
         </p:spPr>
       </p:pic>
+      <p:pic>
+        <p:nvPicPr>
+          <p:cNvPr id="13" name="图片 12">
+            <a:extLst>
+              <a:ext uri="{FF2B5EF4-FFF2-40B4-BE49-F238E27FC236}">
+                <a16:creationId xmlns:a16="http://schemas.microsoft.com/office/drawing/2014/main" id="{1870825E-D4F9-4750-9A48-5B9B07C74CCC}"/>
+              </a:ext>
+            </a:extLst>
+          </p:cNvPr>
+          <p:cNvPicPr>
+            <a:picLocks noChangeAspect="1"/>
+          </p:cNvPicPr>
+          <p:nvPr/>
+        </p:nvPicPr>
+        <p:blipFill>
+          <a:blip r:embed="rId9"/>
+          <a:stretch>
+            <a:fillRect/>
+          </a:stretch>
+        </p:blipFill>
+        <p:spPr>
+          <a:xfrm>
+            <a:off x="0" y="2537048"/>
+            <a:ext cx="8520592" cy="4308473"/>
+          </a:xfrm>
+          <a:prstGeom prst="rect">
+            <a:avLst/>
+          </a:prstGeom>
+        </p:spPr>
+      </p:pic>
       <p:sp>
         <p:nvSpPr>
           <p:cNvPr id="14" name="文本框 13">
             <a:extLst>
               <a:ext uri="{FF2B5EF4-FFF2-40B4-BE49-F238E27FC236}">
-                <a16:creationId xmlns:a16="http://schemas.microsoft.com/office/drawing/2014/main" id="{3C1998E0-053B-403B-87E3-FA91CBAE1794}"/>
+                <a16:creationId xmlns:a16="http://schemas.microsoft.com/office/drawing/2014/main" id="{52EF2DA5-0D8F-45CD-9E29-9D97DF67CE35}"/>
               </a:ext>
             </a:extLst>
           </p:cNvPr>
@@ -5701,8 +5442,8 @@
         </p:nvSpPr>
         <p:spPr>
           <a:xfrm>
-            <a:off x="4291738" y="5124075"/>
-            <a:ext cx="1108256" cy="369332"/>
+            <a:off x="8905523" y="4001406"/>
+            <a:ext cx="2688336" cy="369332"/>
           </a:xfrm>
           <a:prstGeom prst="rect">
             <a:avLst/>
@@ -5710,24 +5451,25 @@
           <a:noFill/>
         </p:spPr>
         <p:txBody>
-          <a:bodyPr wrap="square">
+          <a:bodyPr wrap="square" rtlCol="0">
             <a:spAutoFit/>
           </a:bodyPr>
           <a:lstStyle/>
           <a:p>
             <a:r>
-              <a:rPr lang="zh-CN" altLang="en-US" b="1" dirty="0"/>
-              <a:t>finetune</a:t>
-            </a:r>
-          </a:p>
-        </p:txBody>
-      </p:sp>
-      <p:sp>
-        <p:nvSpPr>
-          <p:cNvPr id="16" name="文本框 15">
-            <a:extLst>
-              <a:ext uri="{FF2B5EF4-FFF2-40B4-BE49-F238E27FC236}">
-                <a16:creationId xmlns:a16="http://schemas.microsoft.com/office/drawing/2014/main" id="{9D137696-7556-43E0-B861-3676DCB20D03}"/>
+              <a:rPr lang="en-US" altLang="zh-CN" dirty="0"/>
+              <a:t>Update s with w Fixed</a:t>
+            </a:r>
+            <a:endParaRPr lang="zh-CN" altLang="en-US" dirty="0"/>
+          </a:p>
+        </p:txBody>
+      </p:sp>
+      <p:sp>
+        <p:nvSpPr>
+          <p:cNvPr id="15" name="文本框 14">
+            <a:extLst>
+              <a:ext uri="{FF2B5EF4-FFF2-40B4-BE49-F238E27FC236}">
+                <a16:creationId xmlns:a16="http://schemas.microsoft.com/office/drawing/2014/main" id="{96C8F295-1F3B-48F0-91B6-741DA6438962}"/>
               </a:ext>
             </a:extLst>
           </p:cNvPr>
@@ -5736,8 +5478,8 @@
         </p:nvSpPr>
         <p:spPr>
           <a:xfrm>
-            <a:off x="952077" y="5156287"/>
-            <a:ext cx="1108256" cy="369332"/>
+            <a:off x="8729219" y="4691285"/>
+            <a:ext cx="2578608" cy="369332"/>
           </a:xfrm>
           <a:prstGeom prst="rect">
             <a:avLst/>
@@ -5751,21 +5493,18 @@
           <a:lstStyle/>
           <a:p>
             <a:r>
-              <a:rPr lang="en-US" altLang="zh-CN" dirty="0">
-                <a:latin typeface="Arial" panose="020B0604020202020204" pitchFamily="34" charset="0"/>
-              </a:rPr>
-              <a:t>k-means</a:t>
-            </a:r>
-            <a:endParaRPr lang="zh-CN" altLang="en-US" dirty="0"/>
-          </a:p>
-        </p:txBody>
-      </p:sp>
-      <p:sp>
-        <p:nvSpPr>
-          <p:cNvPr id="18" name="文本框 17">
-            <a:extLst>
-              <a:ext uri="{FF2B5EF4-FFF2-40B4-BE49-F238E27FC236}">
-                <a16:creationId xmlns:a16="http://schemas.microsoft.com/office/drawing/2014/main" id="{1B28B52A-145E-4A2A-AEE3-42D651A2AE3A}"/>
+              <a:rPr lang="zh-CN" altLang="en-US" dirty="0"/>
+              <a:t> Update v with w;s Fixed</a:t>
+            </a:r>
+          </a:p>
+        </p:txBody>
+      </p:sp>
+      <p:sp>
+        <p:nvSpPr>
+          <p:cNvPr id="16" name="文本框 15">
+            <a:extLst>
+              <a:ext uri="{FF2B5EF4-FFF2-40B4-BE49-F238E27FC236}">
+                <a16:creationId xmlns:a16="http://schemas.microsoft.com/office/drawing/2014/main" id="{979C8E8A-7D47-4565-93C0-C119859E887C}"/>
               </a:ext>
             </a:extLst>
           </p:cNvPr>
@@ -5774,8 +5513,8 @@
         </p:nvSpPr>
         <p:spPr>
           <a:xfrm>
-            <a:off x="3343742" y="157157"/>
-            <a:ext cx="2056252" cy="369332"/>
+            <a:off x="8832726" y="5303842"/>
+            <a:ext cx="2517491" cy="369332"/>
           </a:xfrm>
           <a:prstGeom prst="rect">
             <a:avLst/>
@@ -5789,33 +5528,415 @@
           <a:lstStyle/>
           <a:p>
             <a:r>
-              <a:rPr lang="en-US" altLang="zh-CN" b="1" i="0" dirty="0">
-                <a:solidFill>
-                  <a:srgbClr val="4D4D4D"/>
-                </a:solidFill>
-                <a:effectLst/>
-                <a:latin typeface="-apple-system"/>
-              </a:rPr>
-              <a:t>fine-tunning</a:t>
-            </a:r>
-            <a:r>
-              <a:rPr lang="zh-CN" altLang="en-US" b="1" i="0" dirty="0">
-                <a:solidFill>
-                  <a:srgbClr val="4D4D4D"/>
-                </a:solidFill>
-                <a:effectLst/>
-                <a:latin typeface="-apple-system"/>
-              </a:rPr>
-              <a:t>阶段</a:t>
-            </a:r>
-            <a:endParaRPr lang="zh-CN" altLang="en-US" b="1" dirty="0"/>
-          </a:p>
-        </p:txBody>
-      </p:sp>
+              <a:rPr lang="zh-CN" altLang="en-US" dirty="0"/>
+              <a:t>Update w with v;s Fixed</a:t>
+            </a:r>
+          </a:p>
+        </p:txBody>
+      </p:sp>
+      <p:sp>
+        <p:nvSpPr>
+          <p:cNvPr id="17" name="文本框 16">
+            <a:extLst>
+              <a:ext uri="{FF2B5EF4-FFF2-40B4-BE49-F238E27FC236}">
+                <a16:creationId xmlns:a16="http://schemas.microsoft.com/office/drawing/2014/main" id="{6C31FC59-0A96-462A-913A-7E5AD53F298B}"/>
+              </a:ext>
+            </a:extLst>
+          </p:cNvPr>
+          <p:cNvSpPr txBox="1"/>
+          <p:nvPr/>
+        </p:nvSpPr>
+        <p:spPr>
+          <a:xfrm>
+            <a:off x="8753829" y="5916399"/>
+            <a:ext cx="2834640" cy="369332"/>
+          </a:xfrm>
+          <a:prstGeom prst="rect">
+            <a:avLst/>
+          </a:prstGeom>
+          <a:noFill/>
+        </p:spPr>
+        <p:txBody>
+          <a:bodyPr wrap="square" rtlCol="0">
+            <a:spAutoFit/>
+          </a:bodyPr>
+          <a:lstStyle/>
+          <a:p>
+            <a:r>
+              <a:rPr lang="en-US" altLang="zh-CN" dirty="0"/>
+              <a:t>backpropagation and SGD</a:t>
+            </a:r>
+            <a:endParaRPr lang="zh-CN" altLang="en-US" dirty="0"/>
+          </a:p>
+        </p:txBody>
+      </p:sp>
+      <p:sp>
+        <p:nvSpPr>
+          <p:cNvPr id="18" name="箭头: 下 17">
+            <a:extLst>
+              <a:ext uri="{FF2B5EF4-FFF2-40B4-BE49-F238E27FC236}">
+                <a16:creationId xmlns:a16="http://schemas.microsoft.com/office/drawing/2014/main" id="{D8353F9D-8AF8-48B3-9E75-203FD8EE76A1}"/>
+              </a:ext>
+            </a:extLst>
+          </p:cNvPr>
+          <p:cNvSpPr/>
+          <p:nvPr/>
+        </p:nvSpPr>
+        <p:spPr>
+          <a:xfrm>
+            <a:off x="10092608" y="4379705"/>
+            <a:ext cx="157083" cy="369332"/>
+          </a:xfrm>
+          <a:prstGeom prst="downArrow">
+            <a:avLst/>
+          </a:prstGeom>
+        </p:spPr>
+        <p:style>
+          <a:lnRef idx="2">
+            <a:schemeClr val="accent4">
+              <a:shade val="50000"/>
+            </a:schemeClr>
+          </a:lnRef>
+          <a:fillRef idx="1">
+            <a:schemeClr val="accent4"/>
+          </a:fillRef>
+          <a:effectRef idx="0">
+            <a:schemeClr val="accent4"/>
+          </a:effectRef>
+          <a:fontRef idx="minor">
+            <a:schemeClr val="lt1"/>
+          </a:fontRef>
+        </p:style>
+        <p:txBody>
+          <a:bodyPr rtlCol="0" anchor="ctr"/>
+          <a:lstStyle/>
+          <a:p>
+            <a:pPr algn="ctr"/>
+            <a:endParaRPr lang="zh-CN" altLang="en-US"/>
+          </a:p>
+        </p:txBody>
+      </p:sp>
+      <p:sp>
+        <p:nvSpPr>
+          <p:cNvPr id="19" name="箭头: 右弧形 18">
+            <a:extLst>
+              <a:ext uri="{FF2B5EF4-FFF2-40B4-BE49-F238E27FC236}">
+                <a16:creationId xmlns:a16="http://schemas.microsoft.com/office/drawing/2014/main" id="{3F9CBB4A-5004-4997-BB64-8EC9F5A44FB7}"/>
+              </a:ext>
+            </a:extLst>
+          </p:cNvPr>
+          <p:cNvSpPr/>
+          <p:nvPr/>
+        </p:nvSpPr>
+        <p:spPr>
+          <a:xfrm rot="10265629" flipH="1">
+            <a:off x="11430337" y="4041088"/>
+            <a:ext cx="436939" cy="2085258"/>
+          </a:xfrm>
+          <a:prstGeom prst="curvedLeftArrow">
+            <a:avLst>
+              <a:gd name="adj1" fmla="val 25000"/>
+              <a:gd name="adj2" fmla="val 50000"/>
+              <a:gd name="adj3" fmla="val 44171"/>
+            </a:avLst>
+          </a:prstGeom>
+        </p:spPr>
+        <p:style>
+          <a:lnRef idx="2">
+            <a:schemeClr val="accent4">
+              <a:shade val="50000"/>
+            </a:schemeClr>
+          </a:lnRef>
+          <a:fillRef idx="1">
+            <a:schemeClr val="accent4"/>
+          </a:fillRef>
+          <a:effectRef idx="0">
+            <a:schemeClr val="accent4"/>
+          </a:effectRef>
+          <a:fontRef idx="minor">
+            <a:schemeClr val="lt1"/>
+          </a:fontRef>
+        </p:style>
+        <p:txBody>
+          <a:bodyPr rtlCol="0" anchor="ctr"/>
+          <a:lstStyle/>
+          <a:p>
+            <a:pPr algn="ctr"/>
+            <a:endParaRPr lang="zh-CN" altLang="en-US">
+              <a:solidFill>
+                <a:schemeClr val="tx1"/>
+              </a:solidFill>
+            </a:endParaRPr>
+          </a:p>
+        </p:txBody>
+      </p:sp>
+      <p:sp>
+        <p:nvSpPr>
+          <p:cNvPr id="20" name="箭头: 下 19">
+            <a:extLst>
+              <a:ext uri="{FF2B5EF4-FFF2-40B4-BE49-F238E27FC236}">
+                <a16:creationId xmlns:a16="http://schemas.microsoft.com/office/drawing/2014/main" id="{A9760E8A-AE6D-4C13-8C73-9111A2DD7ECA}"/>
+              </a:ext>
+            </a:extLst>
+          </p:cNvPr>
+          <p:cNvSpPr/>
+          <p:nvPr/>
+        </p:nvSpPr>
+        <p:spPr>
+          <a:xfrm>
+            <a:off x="10092608" y="5060617"/>
+            <a:ext cx="157083" cy="369332"/>
+          </a:xfrm>
+          <a:prstGeom prst="downArrow">
+            <a:avLst/>
+          </a:prstGeom>
+        </p:spPr>
+        <p:style>
+          <a:lnRef idx="2">
+            <a:schemeClr val="accent4">
+              <a:shade val="50000"/>
+            </a:schemeClr>
+          </a:lnRef>
+          <a:fillRef idx="1">
+            <a:schemeClr val="accent4"/>
+          </a:fillRef>
+          <a:effectRef idx="0">
+            <a:schemeClr val="accent4"/>
+          </a:effectRef>
+          <a:fontRef idx="minor">
+            <a:schemeClr val="lt1"/>
+          </a:fontRef>
+        </p:style>
+        <p:txBody>
+          <a:bodyPr rtlCol="0" anchor="ctr"/>
+          <a:lstStyle/>
+          <a:p>
+            <a:pPr algn="ctr"/>
+            <a:endParaRPr lang="zh-CN" altLang="en-US"/>
+          </a:p>
+        </p:txBody>
+      </p:sp>
+      <p:sp>
+        <p:nvSpPr>
+          <p:cNvPr id="21" name="箭头: 下 20">
+            <a:extLst>
+              <a:ext uri="{FF2B5EF4-FFF2-40B4-BE49-F238E27FC236}">
+                <a16:creationId xmlns:a16="http://schemas.microsoft.com/office/drawing/2014/main" id="{51763807-1C94-41AD-8EC3-B4DDC7121E5B}"/>
+              </a:ext>
+            </a:extLst>
+          </p:cNvPr>
+          <p:cNvSpPr/>
+          <p:nvPr/>
+        </p:nvSpPr>
+        <p:spPr>
+          <a:xfrm>
+            <a:off x="10082759" y="5612046"/>
+            <a:ext cx="157083" cy="369332"/>
+          </a:xfrm>
+          <a:prstGeom prst="downArrow">
+            <a:avLst/>
+          </a:prstGeom>
+        </p:spPr>
+        <p:style>
+          <a:lnRef idx="2">
+            <a:schemeClr val="accent4">
+              <a:shade val="50000"/>
+            </a:schemeClr>
+          </a:lnRef>
+          <a:fillRef idx="1">
+            <a:schemeClr val="accent4"/>
+          </a:fillRef>
+          <a:effectRef idx="0">
+            <a:schemeClr val="accent4"/>
+          </a:effectRef>
+          <a:fontRef idx="minor">
+            <a:schemeClr val="lt1"/>
+          </a:fontRef>
+        </p:style>
+        <p:txBody>
+          <a:bodyPr rtlCol="0" anchor="ctr"/>
+          <a:lstStyle/>
+          <a:p>
+            <a:pPr algn="ctr"/>
+            <a:endParaRPr lang="zh-CN" altLang="en-US"/>
+          </a:p>
+        </p:txBody>
+      </p:sp>
+      <p:sp>
+        <p:nvSpPr>
+          <p:cNvPr id="22" name="文本框 21">
+            <a:extLst>
+              <a:ext uri="{FF2B5EF4-FFF2-40B4-BE49-F238E27FC236}">
+                <a16:creationId xmlns:a16="http://schemas.microsoft.com/office/drawing/2014/main" id="{F9827E56-66BA-4590-8DE2-42596F1FE1AE}"/>
+              </a:ext>
+            </a:extLst>
+          </p:cNvPr>
+          <p:cNvSpPr txBox="1"/>
+          <p:nvPr/>
+        </p:nvSpPr>
+        <p:spPr>
+          <a:xfrm>
+            <a:off x="6096000" y="257971"/>
+            <a:ext cx="2260550" cy="369332"/>
+          </a:xfrm>
+          <a:prstGeom prst="rect">
+            <a:avLst/>
+          </a:prstGeom>
+          <a:noFill/>
+        </p:spPr>
+        <p:txBody>
+          <a:bodyPr wrap="square" rtlCol="0">
+            <a:spAutoFit/>
+          </a:bodyPr>
+          <a:lstStyle/>
+          <a:p>
+            <a:r>
+              <a:rPr lang="en-US" altLang="zh-CN" b="1" dirty="0"/>
+              <a:t>2. Finetuning Stage</a:t>
+            </a:r>
+            <a:r>
+              <a:rPr lang="zh-CN" altLang="en-US" dirty="0"/>
+              <a:t>：</a:t>
+            </a:r>
+          </a:p>
+        </p:txBody>
+      </p:sp>
+      <p:sp>
+        <p:nvSpPr>
+          <p:cNvPr id="23" name="文本框 22">
+            <a:extLst>
+              <a:ext uri="{FF2B5EF4-FFF2-40B4-BE49-F238E27FC236}">
+                <a16:creationId xmlns:a16="http://schemas.microsoft.com/office/drawing/2014/main" id="{EFA6442E-636B-4A28-83BD-DA1E448BF646}"/>
+              </a:ext>
+            </a:extLst>
+          </p:cNvPr>
+          <p:cNvSpPr txBox="1"/>
+          <p:nvPr/>
+        </p:nvSpPr>
+        <p:spPr>
+          <a:xfrm>
+            <a:off x="8851717" y="2902792"/>
+            <a:ext cx="3174342" cy="923330"/>
+          </a:xfrm>
+          <a:prstGeom prst="rect">
+            <a:avLst/>
+          </a:prstGeom>
+          <a:noFill/>
+        </p:spPr>
+        <p:txBody>
+          <a:bodyPr wrap="square" rtlCol="0">
+            <a:spAutoFit/>
+          </a:bodyPr>
+          <a:lstStyle/>
+          <a:p>
+            <a:r>
+              <a:rPr lang="en-US" altLang="zh-CN" b="1" dirty="0"/>
+              <a:t>w</a:t>
+            </a:r>
+            <a:r>
+              <a:rPr lang="zh-CN" altLang="en-US" dirty="0"/>
+              <a:t>：</a:t>
+            </a:r>
+            <a:r>
+              <a:rPr lang="en-US" altLang="zh-CN" dirty="0"/>
+              <a:t>feature learning, </a:t>
+            </a:r>
+          </a:p>
+          <a:p>
+            <a:r>
+              <a:rPr lang="en-US" altLang="zh-CN" b="1" dirty="0"/>
+              <a:t>v</a:t>
+            </a:r>
+            <a:r>
+              <a:rPr lang="zh-CN" altLang="en-US" dirty="0"/>
+              <a:t>：</a:t>
+            </a:r>
+            <a:r>
+              <a:rPr lang="en-US" altLang="zh-CN" dirty="0"/>
+              <a:t>reliable examples selection</a:t>
+            </a:r>
+          </a:p>
+          <a:p>
+            <a:r>
+              <a:rPr lang="en-US" altLang="zh-CN" b="1" dirty="0"/>
+              <a:t>s</a:t>
+            </a:r>
+            <a:r>
+              <a:rPr lang="zh-CN" altLang="en-US" dirty="0"/>
+              <a:t>：</a:t>
+            </a:r>
+            <a:r>
+              <a:rPr lang="en-US" altLang="zh-CN" dirty="0"/>
+              <a:t>cluster assignment</a:t>
+            </a:r>
+            <a:endParaRPr lang="zh-CN" altLang="en-US" dirty="0"/>
+          </a:p>
+        </p:txBody>
+      </p:sp>
+      <p:pic>
+        <p:nvPicPr>
+          <p:cNvPr id="25" name="图片 24">
+            <a:extLst>
+              <a:ext uri="{FF2B5EF4-FFF2-40B4-BE49-F238E27FC236}">
+                <a16:creationId xmlns:a16="http://schemas.microsoft.com/office/drawing/2014/main" id="{6954A4A7-D10B-4B48-A44F-D84E551D6FAD}"/>
+              </a:ext>
+            </a:extLst>
+          </p:cNvPr>
+          <p:cNvPicPr>
+            <a:picLocks noChangeAspect="1"/>
+          </p:cNvPicPr>
+          <p:nvPr/>
+        </p:nvPicPr>
+        <p:blipFill>
+          <a:blip r:embed="rId10"/>
+          <a:stretch>
+            <a:fillRect/>
+          </a:stretch>
+        </p:blipFill>
+        <p:spPr>
+          <a:xfrm>
+            <a:off x="5276810" y="6101065"/>
+            <a:ext cx="1638379" cy="512269"/>
+          </a:xfrm>
+          <a:prstGeom prst="rect">
+            <a:avLst/>
+          </a:prstGeom>
+        </p:spPr>
+      </p:pic>
+      <p:pic>
+        <p:nvPicPr>
+          <p:cNvPr id="3" name="图片 2">
+            <a:extLst>
+              <a:ext uri="{FF2B5EF4-FFF2-40B4-BE49-F238E27FC236}">
+                <a16:creationId xmlns:a16="http://schemas.microsoft.com/office/drawing/2014/main" id="{3C050A62-DB2E-4BE8-BD6A-A9CF091384E0}"/>
+              </a:ext>
+            </a:extLst>
+          </p:cNvPr>
+          <p:cNvPicPr>
+            <a:picLocks noChangeAspect="1"/>
+          </p:cNvPicPr>
+          <p:nvPr/>
+        </p:nvPicPr>
+        <p:blipFill>
+          <a:blip r:embed="rId11"/>
+          <a:stretch>
+            <a:fillRect/>
+          </a:stretch>
+        </p:blipFill>
+        <p:spPr>
+          <a:xfrm>
+            <a:off x="3151672" y="6131196"/>
+            <a:ext cx="2008520" cy="468833"/>
+          </a:xfrm>
+          <a:prstGeom prst="rect">
+            <a:avLst/>
+          </a:prstGeom>
+        </p:spPr>
+      </p:pic>
     </p:spTree>
     <p:extLst>
       <p:ext uri="{BB962C8B-B14F-4D97-AF65-F5344CB8AC3E}">
-        <p14:creationId xmlns:p14="http://schemas.microsoft.com/office/powerpoint/2010/main" val="413529334"/>
+        <p14:creationId xmlns:p14="http://schemas.microsoft.com/office/powerpoint/2010/main" val="2943426266"/>
       </p:ext>
     </p:extLst>
   </p:cSld>
@@ -5844,10 +5965,10 @@
       </p:grpSpPr>
       <p:pic>
         <p:nvPicPr>
-          <p:cNvPr id="6" name="图片 5">
-            <a:extLst>
-              <a:ext uri="{FF2B5EF4-FFF2-40B4-BE49-F238E27FC236}">
-                <a16:creationId xmlns:a16="http://schemas.microsoft.com/office/drawing/2014/main" id="{AC31D7E9-AC78-477C-A4ED-54F86319BD08}"/>
+          <p:cNvPr id="5" name="图片 4">
+            <a:extLst>
+              <a:ext uri="{FF2B5EF4-FFF2-40B4-BE49-F238E27FC236}">
+                <a16:creationId xmlns:a16="http://schemas.microsoft.com/office/drawing/2014/main" id="{01116A01-95DE-4B3D-9CB9-B70452DA8770}"/>
               </a:ext>
             </a:extLst>
           </p:cNvPr>
@@ -5857,15 +5978,15 @@
           <p:nvPr/>
         </p:nvPicPr>
         <p:blipFill>
-          <a:blip r:embed="rId3"/>
+          <a:blip r:embed="rId2"/>
           <a:stretch>
             <a:fillRect/>
           </a:stretch>
         </p:blipFill>
         <p:spPr>
           <a:xfrm>
-            <a:off x="0" y="49872"/>
-            <a:ext cx="8663233" cy="5092625"/>
+            <a:off x="1412841" y="119836"/>
+            <a:ext cx="9366317" cy="5213178"/>
           </a:xfrm>
           <a:prstGeom prst="rect">
             <a:avLst/>
@@ -5877,7 +5998,7 @@
           <p:cNvPr id="7" name="文本框 6">
             <a:extLst>
               <a:ext uri="{FF2B5EF4-FFF2-40B4-BE49-F238E27FC236}">
-                <a16:creationId xmlns:a16="http://schemas.microsoft.com/office/drawing/2014/main" id="{43C5148C-5174-4B14-91E4-E20B9DEE54C8}"/>
+                <a16:creationId xmlns:a16="http://schemas.microsoft.com/office/drawing/2014/main" id="{27B6239E-3B08-43A0-A656-8CE53582736D}"/>
               </a:ext>
             </a:extLst>
           </p:cNvPr>
@@ -5886,8 +6007,8 @@
         </p:nvSpPr>
         <p:spPr>
           <a:xfrm>
-            <a:off x="155780" y="5029154"/>
-            <a:ext cx="7707250" cy="1477328"/>
+            <a:off x="1327999" y="5502696"/>
+            <a:ext cx="2178772" cy="923330"/>
           </a:xfrm>
           <a:prstGeom prst="rect">
             <a:avLst/>
@@ -5900,55 +6021,49 @@
           </a:bodyPr>
           <a:lstStyle/>
           <a:p>
-            <a:endParaRPr lang="en-US" altLang="zh-CN" dirty="0">
-              <a:latin typeface="Arial" panose="020B0604020202020204" pitchFamily="34" charset="0"/>
-            </a:endParaRPr>
-          </a:p>
-          <a:p>
-            <a:r>
-              <a:rPr lang="zh-CN" altLang="en-US" dirty="0">
-                <a:effectLst/>
-                <a:latin typeface="Arial" panose="020B0604020202020204" pitchFamily="34" charset="0"/>
-              </a:rPr>
-              <a:t>在第二阶段，交替地使用</a:t>
-            </a:r>
-            <a:r>
-              <a:rPr lang="zh-CN" altLang="en-US" b="1" dirty="0">
-                <a:effectLst/>
-                <a:latin typeface="Arial" panose="020B0604020202020204" pitchFamily="34" charset="0"/>
-              </a:rPr>
-              <a:t>增强示例</a:t>
-            </a:r>
-            <a:r>
-              <a:rPr lang="zh-CN" altLang="en-US" dirty="0">
-                <a:effectLst/>
-                <a:latin typeface="Arial" panose="020B0604020202020204" pitchFamily="34" charset="0"/>
-              </a:rPr>
-              <a:t>微调编码器；</a:t>
-            </a:r>
-            <a:endParaRPr lang="en-US" altLang="zh-CN" dirty="0">
-              <a:effectLst/>
-              <a:latin typeface="Arial" panose="020B0604020202020204" pitchFamily="34" charset="0"/>
-            </a:endParaRPr>
-          </a:p>
-          <a:p>
-            <a:r>
-              <a:rPr lang="zh-CN" altLang="en-US" dirty="0">
-                <a:effectLst/>
-                <a:latin typeface="Arial" panose="020B0604020202020204" pitchFamily="34" charset="0"/>
-              </a:rPr>
-              <a:t>在微调编码器的过程中，损失函数中每个增强示例的目标是将干净示例分配给的集群的中心。为了稳定网络训练，我们在每次迭代中利用自适应自适应学习选择最自信的例子。</a:t>
-            </a:r>
-            <a:endParaRPr lang="zh-CN" altLang="en-US" dirty="0"/>
-          </a:p>
-        </p:txBody>
-      </p:sp>
-      <p:sp>
-        <p:nvSpPr>
-          <p:cNvPr id="9" name="文本框 8">
-            <a:extLst>
-              <a:ext uri="{FF2B5EF4-FFF2-40B4-BE49-F238E27FC236}">
-                <a16:creationId xmlns:a16="http://schemas.microsoft.com/office/drawing/2014/main" id="{F7821A1A-0E05-4F9A-AA4D-8B251777D517}"/>
+            <a:r>
+              <a:rPr lang="zh-CN" altLang="en-US" dirty="0"/>
+              <a:t>尝试在</a:t>
+            </a:r>
+            <a:r>
+              <a:rPr lang="en-US" altLang="zh-CN" dirty="0"/>
+              <a:t>MNIST</a:t>
+            </a:r>
+            <a:r>
+              <a:rPr lang="zh-CN" altLang="en-US" dirty="0"/>
+              <a:t>复现：</a:t>
+            </a:r>
+            <a:endParaRPr lang="en-US" altLang="zh-CN" dirty="0"/>
+          </a:p>
+          <a:p>
+            <a:r>
+              <a:rPr lang="en-US" altLang="zh-CN" dirty="0"/>
+              <a:t>ACC:</a:t>
+            </a:r>
+            <a:r>
+              <a:rPr lang="zh-CN" altLang="en-US" dirty="0"/>
+              <a:t>97.71 </a:t>
+            </a:r>
+            <a:endParaRPr lang="en-US" altLang="zh-CN" dirty="0"/>
+          </a:p>
+          <a:p>
+            <a:r>
+              <a:rPr lang="en-US" altLang="zh-CN" dirty="0"/>
+              <a:t>NMI:</a:t>
+            </a:r>
+            <a:r>
+              <a:rPr lang="zh-CN" altLang="en-US" dirty="0"/>
+              <a:t>94.13</a:t>
+            </a:r>
+          </a:p>
+        </p:txBody>
+      </p:sp>
+      <p:sp>
+        <p:nvSpPr>
+          <p:cNvPr id="2" name="文本框 1">
+            <a:extLst>
+              <a:ext uri="{FF2B5EF4-FFF2-40B4-BE49-F238E27FC236}">
+                <a16:creationId xmlns:a16="http://schemas.microsoft.com/office/drawing/2014/main" id="{4D36553E-4BA4-4119-9893-B704764AB303}"/>
               </a:ext>
             </a:extLst>
           </p:cNvPr>
@@ -5957,8 +6072,8 @@
         </p:nvSpPr>
         <p:spPr>
           <a:xfrm>
-            <a:off x="7118022" y="594137"/>
-            <a:ext cx="5073978" cy="923330"/>
+            <a:off x="1327999" y="6426026"/>
+            <a:ext cx="5110508" cy="369332"/>
           </a:xfrm>
           <a:prstGeom prst="rect">
             <a:avLst/>
@@ -5966,129 +6081,22 @@
           <a:noFill/>
         </p:spPr>
         <p:txBody>
-          <a:bodyPr wrap="square">
-            <a:spAutoFit/>
-          </a:bodyPr>
-          <a:lstStyle/>
-          <a:p>
-            <a:r>
-              <a:rPr lang="zh-CN" altLang="en-US" dirty="0">
-                <a:effectLst/>
-                <a:latin typeface="Arial" panose="020B0604020202020204" pitchFamily="34" charset="0"/>
-              </a:rPr>
-              <a:t>在第一阶段，通过训练一个自动编码器来学习鲁棒性特征，并通过</a:t>
-            </a:r>
-            <a:r>
-              <a:rPr lang="zh-CN" altLang="en-US" b="1" dirty="0">
-                <a:effectLst/>
-                <a:latin typeface="Arial" panose="020B0604020202020204" pitchFamily="34" charset="0"/>
-              </a:rPr>
-              <a:t>随机移动和旋转</a:t>
-            </a:r>
-            <a:r>
-              <a:rPr lang="zh-CN" altLang="en-US" dirty="0">
-                <a:effectLst/>
-                <a:latin typeface="Arial" panose="020B0604020202020204" pitchFamily="34" charset="0"/>
-              </a:rPr>
-              <a:t>给定的</a:t>
-            </a:r>
-            <a:r>
-              <a:rPr lang="zh-CN" altLang="en-US" b="1" dirty="0">
-                <a:effectLst/>
-                <a:latin typeface="Arial" panose="020B0604020202020204" pitchFamily="34" charset="0"/>
-              </a:rPr>
-              <a:t>干净</a:t>
-            </a:r>
-            <a:r>
-              <a:rPr lang="zh-CN" altLang="en-US" dirty="0">
-                <a:effectLst/>
-                <a:latin typeface="Arial" panose="020B0604020202020204" pitchFamily="34" charset="0"/>
-              </a:rPr>
-              <a:t>示例来增强示例。</a:t>
-            </a:r>
-            <a:endParaRPr lang="en-US" altLang="zh-CN" dirty="0">
-              <a:effectLst/>
-              <a:latin typeface="Arial" panose="020B0604020202020204" pitchFamily="34" charset="0"/>
-            </a:endParaRPr>
-          </a:p>
-        </p:txBody>
-      </p:sp>
-      <p:sp>
-        <p:nvSpPr>
-          <p:cNvPr id="14" name="文本框 13">
-            <a:extLst>
-              <a:ext uri="{FF2B5EF4-FFF2-40B4-BE49-F238E27FC236}">
-                <a16:creationId xmlns:a16="http://schemas.microsoft.com/office/drawing/2014/main" id="{136E95F5-D9DE-4CA3-8243-E87223BB9A85}"/>
-              </a:ext>
-            </a:extLst>
-          </p:cNvPr>
-          <p:cNvSpPr txBox="1"/>
-          <p:nvPr/>
-        </p:nvSpPr>
-        <p:spPr>
-          <a:xfrm>
-            <a:off x="8155261" y="3971580"/>
-            <a:ext cx="3397316" cy="923330"/>
-          </a:xfrm>
-          <a:prstGeom prst="rect">
-            <a:avLst/>
-          </a:prstGeom>
-          <a:noFill/>
-        </p:spPr>
-        <p:txBody>
           <a:bodyPr wrap="square" rtlCol="0">
             <a:spAutoFit/>
           </a:bodyPr>
           <a:lstStyle/>
           <a:p>
             <a:r>
-              <a:rPr lang="en-US" altLang="zh-CN" b="1" dirty="0"/>
-              <a:t>w</a:t>
-            </a:r>
-            <a:r>
               <a:rPr lang="zh-CN" altLang="en-US" dirty="0"/>
-              <a:t>：</a:t>
-            </a:r>
-            <a:r>
-              <a:rPr lang="en-US" altLang="zh-CN" dirty="0"/>
-              <a:t>feature learning, </a:t>
-            </a:r>
-          </a:p>
-          <a:p>
-            <a:r>
-              <a:rPr lang="en-US" altLang="zh-CN" b="1" dirty="0"/>
-              <a:t>v</a:t>
-            </a:r>
-            <a:r>
-              <a:rPr lang="zh-CN" altLang="en-US" dirty="0"/>
-              <a:t>：</a:t>
-            </a:r>
-            <a:r>
-              <a:rPr lang="en-US" altLang="zh-CN" dirty="0"/>
-              <a:t>reliable examples selection</a:t>
-            </a:r>
-          </a:p>
-          <a:p>
-            <a:r>
-              <a:rPr lang="en-US" altLang="zh-CN" b="1" dirty="0"/>
-              <a:t>s</a:t>
-            </a:r>
-            <a:r>
-              <a:rPr lang="zh-CN" altLang="en-US" dirty="0"/>
-              <a:t>：</a:t>
-            </a:r>
-            <a:r>
-              <a:rPr lang="en-US" altLang="zh-CN" dirty="0"/>
-              <a:t>cluster assignment</a:t>
-            </a:r>
-            <a:endParaRPr lang="zh-CN" altLang="en-US" dirty="0"/>
+              <a:t>可能原因：数据增强参数不同、跑的次数太少等</a:t>
+            </a:r>
           </a:p>
         </p:txBody>
       </p:sp>
     </p:spTree>
     <p:extLst>
       <p:ext uri="{BB962C8B-B14F-4D97-AF65-F5344CB8AC3E}">
-        <p14:creationId xmlns:p14="http://schemas.microsoft.com/office/powerpoint/2010/main" val="321467336"/>
+        <p14:creationId xmlns:p14="http://schemas.microsoft.com/office/powerpoint/2010/main" val="2912791927"/>
       </p:ext>
     </p:extLst>
   </p:cSld>
@@ -6117,956 +6125,6 @@
       </p:grpSpPr>
       <p:pic>
         <p:nvPicPr>
-          <p:cNvPr id="4" name="图片 3" descr="\documentclass{article}&#10;\usepackage{amsmath}&#10;\pagestyle{empty}&#10;\begin{document}&#10;&#10;given $D={(x_1,y_1),(x_2,y_2)...(x_n,y_n)}$&#10;&#10;&#10;\end{document}" title="IguanaTex Bitmap Display">
-            <a:extLst>
-              <a:ext uri="{FF2B5EF4-FFF2-40B4-BE49-F238E27FC236}">
-                <a16:creationId xmlns:a16="http://schemas.microsoft.com/office/drawing/2014/main" id="{1B070F8A-4F0A-42D3-96E6-7260729BC542}"/>
-              </a:ext>
-            </a:extLst>
-          </p:cNvPr>
-          <p:cNvPicPr>
-            <a:picLocks noChangeAspect="1"/>
-          </p:cNvPicPr>
-          <p:nvPr>
-            <p:custDataLst>
-              <p:tags r:id="rId1"/>
-            </p:custDataLst>
-          </p:nvPr>
-        </p:nvPicPr>
-        <p:blipFill>
-          <a:blip r:embed="rId4">
-            <a:extLst>
-              <a:ext uri="{28A0092B-C50C-407E-A947-70E740481C1C}">
-                <a14:useLocalDpi xmlns:a14="http://schemas.microsoft.com/office/drawing/2010/main" val="0"/>
-              </a:ext>
-            </a:extLst>
-          </a:blip>
-          <a:stretch>
-            <a:fillRect/>
-          </a:stretch>
-        </p:blipFill>
-        <p:spPr>
-          <a:xfrm>
-            <a:off x="186409" y="188161"/>
-            <a:ext cx="3969524" cy="254476"/>
-          </a:xfrm>
-          <a:prstGeom prst="rect">
-            <a:avLst/>
-          </a:prstGeom>
-        </p:spPr>
-      </p:pic>
-      <p:pic>
-        <p:nvPicPr>
-          <p:cNvPr id="5" name="图片 4" descr="\documentclass{article}&#10;\usepackage{amsmath}&#10;\pagestyle{empty}&#10;\usepackage{amssymb}&#10;\begin{document}&#10;&#10;&#10;learning model $f$ with parameters $\mathbf{w}$&#10;&#10;\end{document}" title="IguanaTex Bitmap Display">
-            <a:extLst>
-              <a:ext uri="{FF2B5EF4-FFF2-40B4-BE49-F238E27FC236}">
-                <a16:creationId xmlns:a16="http://schemas.microsoft.com/office/drawing/2014/main" id="{780E8AD9-EF19-4C08-BAB2-D1446E89B0F0}"/>
-              </a:ext>
-            </a:extLst>
-          </p:cNvPr>
-          <p:cNvPicPr>
-            <a:picLocks noChangeAspect="1"/>
-          </p:cNvPicPr>
-          <p:nvPr>
-            <p:custDataLst>
-              <p:tags r:id="rId2"/>
-            </p:custDataLst>
-          </p:nvPr>
-        </p:nvPicPr>
-        <p:blipFill>
-          <a:blip r:embed="rId5">
-            <a:extLst>
-              <a:ext uri="{28A0092B-C50C-407E-A947-70E740481C1C}">
-                <a14:useLocalDpi xmlns:a14="http://schemas.microsoft.com/office/drawing/2010/main" val="0"/>
-              </a:ext>
-            </a:extLst>
-          </a:blip>
-          <a:stretch>
-            <a:fillRect/>
-          </a:stretch>
-        </p:blipFill>
-        <p:spPr>
-          <a:xfrm>
-            <a:off x="186409" y="635881"/>
-            <a:ext cx="3635657" cy="207086"/>
-          </a:xfrm>
-          <a:prstGeom prst="rect">
-            <a:avLst/>
-          </a:prstGeom>
-        </p:spPr>
-      </p:pic>
-      <p:sp>
-        <p:nvSpPr>
-          <p:cNvPr id="6" name="文本框 5">
-            <a:extLst>
-              <a:ext uri="{FF2B5EF4-FFF2-40B4-BE49-F238E27FC236}">
-                <a16:creationId xmlns:a16="http://schemas.microsoft.com/office/drawing/2014/main" id="{5F400FDD-2275-442C-989E-0F85B2FE20F5}"/>
-              </a:ext>
-            </a:extLst>
-          </p:cNvPr>
-          <p:cNvSpPr txBox="1"/>
-          <p:nvPr/>
-        </p:nvSpPr>
-        <p:spPr>
-          <a:xfrm>
-            <a:off x="-1" y="1036211"/>
-            <a:ext cx="5938887" cy="369332"/>
-          </a:xfrm>
-          <a:prstGeom prst="rect">
-            <a:avLst/>
-          </a:prstGeom>
-          <a:noFill/>
-        </p:spPr>
-        <p:txBody>
-          <a:bodyPr wrap="square" rtlCol="0">
-            <a:spAutoFit/>
-          </a:bodyPr>
-          <a:lstStyle/>
-          <a:p>
-            <a:r>
-              <a:rPr lang="en-US" altLang="zh-CN" b="1" dirty="0"/>
-              <a:t>1.Pre-training</a:t>
-            </a:r>
-            <a:r>
-              <a:rPr lang="zh-CN" altLang="en-US" dirty="0"/>
-              <a:t>：</a:t>
-            </a:r>
-            <a:r>
-              <a:rPr lang="en-US" altLang="zh-CN" dirty="0"/>
-              <a:t>auto-encoder</a:t>
-            </a:r>
-            <a:r>
-              <a:rPr lang="zh-CN" altLang="en-US" dirty="0"/>
-              <a:t> </a:t>
-            </a:r>
-            <a:r>
-              <a:rPr lang="en-US" altLang="zh-CN" dirty="0"/>
-              <a:t>with </a:t>
-            </a:r>
-            <a:r>
-              <a:rPr lang="zh-CN" altLang="en-US" dirty="0"/>
-              <a:t>DataAugmentation</a:t>
-            </a:r>
-          </a:p>
-        </p:txBody>
-      </p:sp>
-      <p:pic>
-        <p:nvPicPr>
-          <p:cNvPr id="8" name="图片 7">
-            <a:extLst>
-              <a:ext uri="{FF2B5EF4-FFF2-40B4-BE49-F238E27FC236}">
-                <a16:creationId xmlns:a16="http://schemas.microsoft.com/office/drawing/2014/main" id="{A2389627-CCC5-4AA1-92E8-7E44C52A444D}"/>
-              </a:ext>
-            </a:extLst>
-          </p:cNvPr>
-          <p:cNvPicPr>
-            <a:picLocks noChangeAspect="1"/>
-          </p:cNvPicPr>
-          <p:nvPr/>
-        </p:nvPicPr>
-        <p:blipFill>
-          <a:blip r:embed="rId6"/>
-          <a:stretch>
-            <a:fillRect/>
-          </a:stretch>
-        </p:blipFill>
-        <p:spPr>
-          <a:xfrm>
-            <a:off x="571433" y="1337520"/>
-            <a:ext cx="4101149" cy="1124509"/>
-          </a:xfrm>
-          <a:prstGeom prst="rect">
-            <a:avLst/>
-          </a:prstGeom>
-        </p:spPr>
-      </p:pic>
-      <p:pic>
-        <p:nvPicPr>
-          <p:cNvPr id="10" name="图片 9">
-            <a:extLst>
-              <a:ext uri="{FF2B5EF4-FFF2-40B4-BE49-F238E27FC236}">
-                <a16:creationId xmlns:a16="http://schemas.microsoft.com/office/drawing/2014/main" id="{4CF687F0-A214-4D55-8AB4-E9455585FDDD}"/>
-              </a:ext>
-            </a:extLst>
-          </p:cNvPr>
-          <p:cNvPicPr>
-            <a:picLocks noChangeAspect="1"/>
-          </p:cNvPicPr>
-          <p:nvPr/>
-        </p:nvPicPr>
-        <p:blipFill>
-          <a:blip r:embed="rId7"/>
-          <a:stretch>
-            <a:fillRect/>
-          </a:stretch>
-        </p:blipFill>
-        <p:spPr>
-          <a:xfrm>
-            <a:off x="8199466" y="1456635"/>
-            <a:ext cx="3638113" cy="1108435"/>
-          </a:xfrm>
-          <a:prstGeom prst="rect">
-            <a:avLst/>
-          </a:prstGeom>
-        </p:spPr>
-      </p:pic>
-      <p:pic>
-        <p:nvPicPr>
-          <p:cNvPr id="12" name="图片 11">
-            <a:extLst>
-              <a:ext uri="{FF2B5EF4-FFF2-40B4-BE49-F238E27FC236}">
-                <a16:creationId xmlns:a16="http://schemas.microsoft.com/office/drawing/2014/main" id="{91F8D1A2-9395-4A6C-B8A4-3DAB1B19AB6C}"/>
-              </a:ext>
-            </a:extLst>
-          </p:cNvPr>
-          <p:cNvPicPr>
-            <a:picLocks noChangeAspect="1"/>
-          </p:cNvPicPr>
-          <p:nvPr/>
-        </p:nvPicPr>
-        <p:blipFill>
-          <a:blip r:embed="rId8"/>
-          <a:stretch>
-            <a:fillRect/>
-          </a:stretch>
-        </p:blipFill>
-        <p:spPr>
-          <a:xfrm>
-            <a:off x="8369936" y="153483"/>
-            <a:ext cx="2987280" cy="1171881"/>
-          </a:xfrm>
-          <a:prstGeom prst="rect">
-            <a:avLst/>
-          </a:prstGeom>
-        </p:spPr>
-      </p:pic>
-      <p:pic>
-        <p:nvPicPr>
-          <p:cNvPr id="13" name="图片 12">
-            <a:extLst>
-              <a:ext uri="{FF2B5EF4-FFF2-40B4-BE49-F238E27FC236}">
-                <a16:creationId xmlns:a16="http://schemas.microsoft.com/office/drawing/2014/main" id="{1870825E-D4F9-4750-9A48-5B9B07C74CCC}"/>
-              </a:ext>
-            </a:extLst>
-          </p:cNvPr>
-          <p:cNvPicPr>
-            <a:picLocks noChangeAspect="1"/>
-          </p:cNvPicPr>
-          <p:nvPr/>
-        </p:nvPicPr>
-        <p:blipFill>
-          <a:blip r:embed="rId9"/>
-          <a:stretch>
-            <a:fillRect/>
-          </a:stretch>
-        </p:blipFill>
-        <p:spPr>
-          <a:xfrm>
-            <a:off x="0" y="2537048"/>
-            <a:ext cx="8520592" cy="4308473"/>
-          </a:xfrm>
-          <a:prstGeom prst="rect">
-            <a:avLst/>
-          </a:prstGeom>
-        </p:spPr>
-      </p:pic>
-      <p:sp>
-        <p:nvSpPr>
-          <p:cNvPr id="14" name="文本框 13">
-            <a:extLst>
-              <a:ext uri="{FF2B5EF4-FFF2-40B4-BE49-F238E27FC236}">
-                <a16:creationId xmlns:a16="http://schemas.microsoft.com/office/drawing/2014/main" id="{52EF2DA5-0D8F-45CD-9E29-9D97DF67CE35}"/>
-              </a:ext>
-            </a:extLst>
-          </p:cNvPr>
-          <p:cNvSpPr txBox="1"/>
-          <p:nvPr/>
-        </p:nvSpPr>
-        <p:spPr>
-          <a:xfrm>
-            <a:off x="8905523" y="4001406"/>
-            <a:ext cx="2688336" cy="369332"/>
-          </a:xfrm>
-          <a:prstGeom prst="rect">
-            <a:avLst/>
-          </a:prstGeom>
-          <a:noFill/>
-        </p:spPr>
-        <p:txBody>
-          <a:bodyPr wrap="square" rtlCol="0">
-            <a:spAutoFit/>
-          </a:bodyPr>
-          <a:lstStyle/>
-          <a:p>
-            <a:r>
-              <a:rPr lang="en-US" altLang="zh-CN" dirty="0"/>
-              <a:t>Update s with w Fixed</a:t>
-            </a:r>
-            <a:endParaRPr lang="zh-CN" altLang="en-US" dirty="0"/>
-          </a:p>
-        </p:txBody>
-      </p:sp>
-      <p:sp>
-        <p:nvSpPr>
-          <p:cNvPr id="15" name="文本框 14">
-            <a:extLst>
-              <a:ext uri="{FF2B5EF4-FFF2-40B4-BE49-F238E27FC236}">
-                <a16:creationId xmlns:a16="http://schemas.microsoft.com/office/drawing/2014/main" id="{96C8F295-1F3B-48F0-91B6-741DA6438962}"/>
-              </a:ext>
-            </a:extLst>
-          </p:cNvPr>
-          <p:cNvSpPr txBox="1"/>
-          <p:nvPr/>
-        </p:nvSpPr>
-        <p:spPr>
-          <a:xfrm>
-            <a:off x="8729219" y="4691285"/>
-            <a:ext cx="2578608" cy="369332"/>
-          </a:xfrm>
-          <a:prstGeom prst="rect">
-            <a:avLst/>
-          </a:prstGeom>
-          <a:noFill/>
-        </p:spPr>
-        <p:txBody>
-          <a:bodyPr wrap="square">
-            <a:spAutoFit/>
-          </a:bodyPr>
-          <a:lstStyle/>
-          <a:p>
-            <a:r>
-              <a:rPr lang="zh-CN" altLang="en-US" dirty="0"/>
-              <a:t> Update v with w;s Fixed</a:t>
-            </a:r>
-          </a:p>
-        </p:txBody>
-      </p:sp>
-      <p:sp>
-        <p:nvSpPr>
-          <p:cNvPr id="16" name="文本框 15">
-            <a:extLst>
-              <a:ext uri="{FF2B5EF4-FFF2-40B4-BE49-F238E27FC236}">
-                <a16:creationId xmlns:a16="http://schemas.microsoft.com/office/drawing/2014/main" id="{979C8E8A-7D47-4565-93C0-C119859E887C}"/>
-              </a:ext>
-            </a:extLst>
-          </p:cNvPr>
-          <p:cNvSpPr txBox="1"/>
-          <p:nvPr/>
-        </p:nvSpPr>
-        <p:spPr>
-          <a:xfrm>
-            <a:off x="8832726" y="5303842"/>
-            <a:ext cx="2517491" cy="369332"/>
-          </a:xfrm>
-          <a:prstGeom prst="rect">
-            <a:avLst/>
-          </a:prstGeom>
-          <a:noFill/>
-        </p:spPr>
-        <p:txBody>
-          <a:bodyPr wrap="square">
-            <a:spAutoFit/>
-          </a:bodyPr>
-          <a:lstStyle/>
-          <a:p>
-            <a:r>
-              <a:rPr lang="zh-CN" altLang="en-US" dirty="0"/>
-              <a:t>Update w with v;s Fixed</a:t>
-            </a:r>
-          </a:p>
-        </p:txBody>
-      </p:sp>
-      <p:sp>
-        <p:nvSpPr>
-          <p:cNvPr id="17" name="文本框 16">
-            <a:extLst>
-              <a:ext uri="{FF2B5EF4-FFF2-40B4-BE49-F238E27FC236}">
-                <a16:creationId xmlns:a16="http://schemas.microsoft.com/office/drawing/2014/main" id="{6C31FC59-0A96-462A-913A-7E5AD53F298B}"/>
-              </a:ext>
-            </a:extLst>
-          </p:cNvPr>
-          <p:cNvSpPr txBox="1"/>
-          <p:nvPr/>
-        </p:nvSpPr>
-        <p:spPr>
-          <a:xfrm>
-            <a:off x="8753829" y="5916399"/>
-            <a:ext cx="2834640" cy="369332"/>
-          </a:xfrm>
-          <a:prstGeom prst="rect">
-            <a:avLst/>
-          </a:prstGeom>
-          <a:noFill/>
-        </p:spPr>
-        <p:txBody>
-          <a:bodyPr wrap="square" rtlCol="0">
-            <a:spAutoFit/>
-          </a:bodyPr>
-          <a:lstStyle/>
-          <a:p>
-            <a:r>
-              <a:rPr lang="en-US" altLang="zh-CN" dirty="0"/>
-              <a:t>backpropagation and SGD</a:t>
-            </a:r>
-            <a:endParaRPr lang="zh-CN" altLang="en-US" dirty="0"/>
-          </a:p>
-        </p:txBody>
-      </p:sp>
-      <p:sp>
-        <p:nvSpPr>
-          <p:cNvPr id="18" name="箭头: 下 17">
-            <a:extLst>
-              <a:ext uri="{FF2B5EF4-FFF2-40B4-BE49-F238E27FC236}">
-                <a16:creationId xmlns:a16="http://schemas.microsoft.com/office/drawing/2014/main" id="{D8353F9D-8AF8-48B3-9E75-203FD8EE76A1}"/>
-              </a:ext>
-            </a:extLst>
-          </p:cNvPr>
-          <p:cNvSpPr/>
-          <p:nvPr/>
-        </p:nvSpPr>
-        <p:spPr>
-          <a:xfrm>
-            <a:off x="10092608" y="4379705"/>
-            <a:ext cx="157083" cy="369332"/>
-          </a:xfrm>
-          <a:prstGeom prst="downArrow">
-            <a:avLst/>
-          </a:prstGeom>
-        </p:spPr>
-        <p:style>
-          <a:lnRef idx="2">
-            <a:schemeClr val="accent4">
-              <a:shade val="50000"/>
-            </a:schemeClr>
-          </a:lnRef>
-          <a:fillRef idx="1">
-            <a:schemeClr val="accent4"/>
-          </a:fillRef>
-          <a:effectRef idx="0">
-            <a:schemeClr val="accent4"/>
-          </a:effectRef>
-          <a:fontRef idx="minor">
-            <a:schemeClr val="lt1"/>
-          </a:fontRef>
-        </p:style>
-        <p:txBody>
-          <a:bodyPr rtlCol="0" anchor="ctr"/>
-          <a:lstStyle/>
-          <a:p>
-            <a:pPr algn="ctr"/>
-            <a:endParaRPr lang="zh-CN" altLang="en-US"/>
-          </a:p>
-        </p:txBody>
-      </p:sp>
-      <p:sp>
-        <p:nvSpPr>
-          <p:cNvPr id="19" name="箭头: 右弧形 18">
-            <a:extLst>
-              <a:ext uri="{FF2B5EF4-FFF2-40B4-BE49-F238E27FC236}">
-                <a16:creationId xmlns:a16="http://schemas.microsoft.com/office/drawing/2014/main" id="{3F9CBB4A-5004-4997-BB64-8EC9F5A44FB7}"/>
-              </a:ext>
-            </a:extLst>
-          </p:cNvPr>
-          <p:cNvSpPr/>
-          <p:nvPr/>
-        </p:nvSpPr>
-        <p:spPr>
-          <a:xfrm rot="10265629" flipH="1">
-            <a:off x="11430337" y="4041088"/>
-            <a:ext cx="436939" cy="2085258"/>
-          </a:xfrm>
-          <a:prstGeom prst="curvedLeftArrow">
-            <a:avLst>
-              <a:gd name="adj1" fmla="val 25000"/>
-              <a:gd name="adj2" fmla="val 50000"/>
-              <a:gd name="adj3" fmla="val 44171"/>
-            </a:avLst>
-          </a:prstGeom>
-        </p:spPr>
-        <p:style>
-          <a:lnRef idx="2">
-            <a:schemeClr val="accent4">
-              <a:shade val="50000"/>
-            </a:schemeClr>
-          </a:lnRef>
-          <a:fillRef idx="1">
-            <a:schemeClr val="accent4"/>
-          </a:fillRef>
-          <a:effectRef idx="0">
-            <a:schemeClr val="accent4"/>
-          </a:effectRef>
-          <a:fontRef idx="minor">
-            <a:schemeClr val="lt1"/>
-          </a:fontRef>
-        </p:style>
-        <p:txBody>
-          <a:bodyPr rtlCol="0" anchor="ctr"/>
-          <a:lstStyle/>
-          <a:p>
-            <a:pPr algn="ctr"/>
-            <a:endParaRPr lang="zh-CN" altLang="en-US">
-              <a:solidFill>
-                <a:schemeClr val="tx1"/>
-              </a:solidFill>
-            </a:endParaRPr>
-          </a:p>
-        </p:txBody>
-      </p:sp>
-      <p:sp>
-        <p:nvSpPr>
-          <p:cNvPr id="20" name="箭头: 下 19">
-            <a:extLst>
-              <a:ext uri="{FF2B5EF4-FFF2-40B4-BE49-F238E27FC236}">
-                <a16:creationId xmlns:a16="http://schemas.microsoft.com/office/drawing/2014/main" id="{A9760E8A-AE6D-4C13-8C73-9111A2DD7ECA}"/>
-              </a:ext>
-            </a:extLst>
-          </p:cNvPr>
-          <p:cNvSpPr/>
-          <p:nvPr/>
-        </p:nvSpPr>
-        <p:spPr>
-          <a:xfrm>
-            <a:off x="10092608" y="5060617"/>
-            <a:ext cx="157083" cy="369332"/>
-          </a:xfrm>
-          <a:prstGeom prst="downArrow">
-            <a:avLst/>
-          </a:prstGeom>
-        </p:spPr>
-        <p:style>
-          <a:lnRef idx="2">
-            <a:schemeClr val="accent4">
-              <a:shade val="50000"/>
-            </a:schemeClr>
-          </a:lnRef>
-          <a:fillRef idx="1">
-            <a:schemeClr val="accent4"/>
-          </a:fillRef>
-          <a:effectRef idx="0">
-            <a:schemeClr val="accent4"/>
-          </a:effectRef>
-          <a:fontRef idx="minor">
-            <a:schemeClr val="lt1"/>
-          </a:fontRef>
-        </p:style>
-        <p:txBody>
-          <a:bodyPr rtlCol="0" anchor="ctr"/>
-          <a:lstStyle/>
-          <a:p>
-            <a:pPr algn="ctr"/>
-            <a:endParaRPr lang="zh-CN" altLang="en-US"/>
-          </a:p>
-        </p:txBody>
-      </p:sp>
-      <p:sp>
-        <p:nvSpPr>
-          <p:cNvPr id="21" name="箭头: 下 20">
-            <a:extLst>
-              <a:ext uri="{FF2B5EF4-FFF2-40B4-BE49-F238E27FC236}">
-                <a16:creationId xmlns:a16="http://schemas.microsoft.com/office/drawing/2014/main" id="{51763807-1C94-41AD-8EC3-B4DDC7121E5B}"/>
-              </a:ext>
-            </a:extLst>
-          </p:cNvPr>
-          <p:cNvSpPr/>
-          <p:nvPr/>
-        </p:nvSpPr>
-        <p:spPr>
-          <a:xfrm>
-            <a:off x="10082759" y="5612046"/>
-            <a:ext cx="157083" cy="369332"/>
-          </a:xfrm>
-          <a:prstGeom prst="downArrow">
-            <a:avLst/>
-          </a:prstGeom>
-        </p:spPr>
-        <p:style>
-          <a:lnRef idx="2">
-            <a:schemeClr val="accent4">
-              <a:shade val="50000"/>
-            </a:schemeClr>
-          </a:lnRef>
-          <a:fillRef idx="1">
-            <a:schemeClr val="accent4"/>
-          </a:fillRef>
-          <a:effectRef idx="0">
-            <a:schemeClr val="accent4"/>
-          </a:effectRef>
-          <a:fontRef idx="minor">
-            <a:schemeClr val="lt1"/>
-          </a:fontRef>
-        </p:style>
-        <p:txBody>
-          <a:bodyPr rtlCol="0" anchor="ctr"/>
-          <a:lstStyle/>
-          <a:p>
-            <a:pPr algn="ctr"/>
-            <a:endParaRPr lang="zh-CN" altLang="en-US"/>
-          </a:p>
-        </p:txBody>
-      </p:sp>
-      <p:sp>
-        <p:nvSpPr>
-          <p:cNvPr id="22" name="文本框 21">
-            <a:extLst>
-              <a:ext uri="{FF2B5EF4-FFF2-40B4-BE49-F238E27FC236}">
-                <a16:creationId xmlns:a16="http://schemas.microsoft.com/office/drawing/2014/main" id="{F9827E56-66BA-4590-8DE2-42596F1FE1AE}"/>
-              </a:ext>
-            </a:extLst>
-          </p:cNvPr>
-          <p:cNvSpPr txBox="1"/>
-          <p:nvPr/>
-        </p:nvSpPr>
-        <p:spPr>
-          <a:xfrm>
-            <a:off x="6096000" y="257971"/>
-            <a:ext cx="2260550" cy="369332"/>
-          </a:xfrm>
-          <a:prstGeom prst="rect">
-            <a:avLst/>
-          </a:prstGeom>
-          <a:noFill/>
-        </p:spPr>
-        <p:txBody>
-          <a:bodyPr wrap="square" rtlCol="0">
-            <a:spAutoFit/>
-          </a:bodyPr>
-          <a:lstStyle/>
-          <a:p>
-            <a:r>
-              <a:rPr lang="en-US" altLang="zh-CN" b="1" dirty="0"/>
-              <a:t>2. Finetuning Stage</a:t>
-            </a:r>
-            <a:r>
-              <a:rPr lang="zh-CN" altLang="en-US" dirty="0"/>
-              <a:t>：</a:t>
-            </a:r>
-          </a:p>
-        </p:txBody>
-      </p:sp>
-      <p:sp>
-        <p:nvSpPr>
-          <p:cNvPr id="23" name="文本框 22">
-            <a:extLst>
-              <a:ext uri="{FF2B5EF4-FFF2-40B4-BE49-F238E27FC236}">
-                <a16:creationId xmlns:a16="http://schemas.microsoft.com/office/drawing/2014/main" id="{EFA6442E-636B-4A28-83BD-DA1E448BF646}"/>
-              </a:ext>
-            </a:extLst>
-          </p:cNvPr>
-          <p:cNvSpPr txBox="1"/>
-          <p:nvPr/>
-        </p:nvSpPr>
-        <p:spPr>
-          <a:xfrm>
-            <a:off x="8851717" y="2902792"/>
-            <a:ext cx="3174342" cy="923330"/>
-          </a:xfrm>
-          <a:prstGeom prst="rect">
-            <a:avLst/>
-          </a:prstGeom>
-          <a:noFill/>
-        </p:spPr>
-        <p:txBody>
-          <a:bodyPr wrap="square" rtlCol="0">
-            <a:spAutoFit/>
-          </a:bodyPr>
-          <a:lstStyle/>
-          <a:p>
-            <a:r>
-              <a:rPr lang="en-US" altLang="zh-CN" b="1" dirty="0"/>
-              <a:t>w</a:t>
-            </a:r>
-            <a:r>
-              <a:rPr lang="zh-CN" altLang="en-US" dirty="0"/>
-              <a:t>：</a:t>
-            </a:r>
-            <a:r>
-              <a:rPr lang="en-US" altLang="zh-CN" dirty="0"/>
-              <a:t>feature learning, </a:t>
-            </a:r>
-          </a:p>
-          <a:p>
-            <a:r>
-              <a:rPr lang="en-US" altLang="zh-CN" b="1" dirty="0"/>
-              <a:t>v</a:t>
-            </a:r>
-            <a:r>
-              <a:rPr lang="zh-CN" altLang="en-US" dirty="0"/>
-              <a:t>：</a:t>
-            </a:r>
-            <a:r>
-              <a:rPr lang="en-US" altLang="zh-CN" dirty="0"/>
-              <a:t>reliable examples selection</a:t>
-            </a:r>
-          </a:p>
-          <a:p>
-            <a:r>
-              <a:rPr lang="en-US" altLang="zh-CN" b="1" dirty="0"/>
-              <a:t>s</a:t>
-            </a:r>
-            <a:r>
-              <a:rPr lang="zh-CN" altLang="en-US" dirty="0"/>
-              <a:t>：</a:t>
-            </a:r>
-            <a:r>
-              <a:rPr lang="en-US" altLang="zh-CN" dirty="0"/>
-              <a:t>cluster assignment</a:t>
-            </a:r>
-            <a:endParaRPr lang="zh-CN" altLang="en-US" dirty="0"/>
-          </a:p>
-        </p:txBody>
-      </p:sp>
-      <p:pic>
-        <p:nvPicPr>
-          <p:cNvPr id="25" name="图片 24">
-            <a:extLst>
-              <a:ext uri="{FF2B5EF4-FFF2-40B4-BE49-F238E27FC236}">
-                <a16:creationId xmlns:a16="http://schemas.microsoft.com/office/drawing/2014/main" id="{6954A4A7-D10B-4B48-A44F-D84E551D6FAD}"/>
-              </a:ext>
-            </a:extLst>
-          </p:cNvPr>
-          <p:cNvPicPr>
-            <a:picLocks noChangeAspect="1"/>
-          </p:cNvPicPr>
-          <p:nvPr/>
-        </p:nvPicPr>
-        <p:blipFill>
-          <a:blip r:embed="rId10"/>
-          <a:stretch>
-            <a:fillRect/>
-          </a:stretch>
-        </p:blipFill>
-        <p:spPr>
-          <a:xfrm>
-            <a:off x="5276810" y="6101065"/>
-            <a:ext cx="1638379" cy="512269"/>
-          </a:xfrm>
-          <a:prstGeom prst="rect">
-            <a:avLst/>
-          </a:prstGeom>
-        </p:spPr>
-      </p:pic>
-      <p:pic>
-        <p:nvPicPr>
-          <p:cNvPr id="3" name="图片 2">
-            <a:extLst>
-              <a:ext uri="{FF2B5EF4-FFF2-40B4-BE49-F238E27FC236}">
-                <a16:creationId xmlns:a16="http://schemas.microsoft.com/office/drawing/2014/main" id="{3C050A62-DB2E-4BE8-BD6A-A9CF091384E0}"/>
-              </a:ext>
-            </a:extLst>
-          </p:cNvPr>
-          <p:cNvPicPr>
-            <a:picLocks noChangeAspect="1"/>
-          </p:cNvPicPr>
-          <p:nvPr/>
-        </p:nvPicPr>
-        <p:blipFill>
-          <a:blip r:embed="rId11"/>
-          <a:stretch>
-            <a:fillRect/>
-          </a:stretch>
-        </p:blipFill>
-        <p:spPr>
-          <a:xfrm>
-            <a:off x="3151672" y="6131196"/>
-            <a:ext cx="2008520" cy="468833"/>
-          </a:xfrm>
-          <a:prstGeom prst="rect">
-            <a:avLst/>
-          </a:prstGeom>
-        </p:spPr>
-      </p:pic>
-    </p:spTree>
-    <p:extLst>
-      <p:ext uri="{BB962C8B-B14F-4D97-AF65-F5344CB8AC3E}">
-        <p14:creationId xmlns:p14="http://schemas.microsoft.com/office/powerpoint/2010/main" val="2943426266"/>
-      </p:ext>
-    </p:extLst>
-  </p:cSld>
-  <p:clrMapOvr>
-    <a:masterClrMapping/>
-  </p:clrMapOvr>
-</p:sld>
-</file>
-
-<file path=ppt/slides/slide7.xml><?xml version="1.0" encoding="utf-8"?>
-<p:sld xmlns:a="http://schemas.openxmlformats.org/drawingml/2006/main" xmlns:r="http://schemas.openxmlformats.org/officeDocument/2006/relationships" xmlns:p="http://schemas.openxmlformats.org/presentationml/2006/main">
-  <p:cSld>
-    <p:spTree>
-      <p:nvGrpSpPr>
-        <p:cNvPr id="1" name=""/>
-        <p:cNvGrpSpPr/>
-        <p:nvPr/>
-      </p:nvGrpSpPr>
-      <p:grpSpPr>
-        <a:xfrm>
-          <a:off x="0" y="0"/>
-          <a:ext cx="0" cy="0"/>
-          <a:chOff x="0" y="0"/>
-          <a:chExt cx="0" cy="0"/>
-        </a:xfrm>
-      </p:grpSpPr>
-      <p:pic>
-        <p:nvPicPr>
-          <p:cNvPr id="5" name="图片 4">
-            <a:extLst>
-              <a:ext uri="{FF2B5EF4-FFF2-40B4-BE49-F238E27FC236}">
-                <a16:creationId xmlns:a16="http://schemas.microsoft.com/office/drawing/2014/main" id="{01116A01-95DE-4B3D-9CB9-B70452DA8770}"/>
-              </a:ext>
-            </a:extLst>
-          </p:cNvPr>
-          <p:cNvPicPr>
-            <a:picLocks noChangeAspect="1"/>
-          </p:cNvPicPr>
-          <p:nvPr/>
-        </p:nvPicPr>
-        <p:blipFill>
-          <a:blip r:embed="rId2"/>
-          <a:stretch>
-            <a:fillRect/>
-          </a:stretch>
-        </p:blipFill>
-        <p:spPr>
-          <a:xfrm>
-            <a:off x="1412841" y="119836"/>
-            <a:ext cx="9366317" cy="5213178"/>
-          </a:xfrm>
-          <a:prstGeom prst="rect">
-            <a:avLst/>
-          </a:prstGeom>
-        </p:spPr>
-      </p:pic>
-      <p:sp>
-        <p:nvSpPr>
-          <p:cNvPr id="7" name="文本框 6">
-            <a:extLst>
-              <a:ext uri="{FF2B5EF4-FFF2-40B4-BE49-F238E27FC236}">
-                <a16:creationId xmlns:a16="http://schemas.microsoft.com/office/drawing/2014/main" id="{27B6239E-3B08-43A0-A656-8CE53582736D}"/>
-              </a:ext>
-            </a:extLst>
-          </p:cNvPr>
-          <p:cNvSpPr txBox="1"/>
-          <p:nvPr/>
-        </p:nvSpPr>
-        <p:spPr>
-          <a:xfrm>
-            <a:off x="1327999" y="5502696"/>
-            <a:ext cx="2178772" cy="923330"/>
-          </a:xfrm>
-          <a:prstGeom prst="rect">
-            <a:avLst/>
-          </a:prstGeom>
-          <a:noFill/>
-        </p:spPr>
-        <p:txBody>
-          <a:bodyPr wrap="square">
-            <a:spAutoFit/>
-          </a:bodyPr>
-          <a:lstStyle/>
-          <a:p>
-            <a:r>
-              <a:rPr lang="zh-CN" altLang="en-US" dirty="0"/>
-              <a:t>尝试在</a:t>
-            </a:r>
-            <a:r>
-              <a:rPr lang="en-US" altLang="zh-CN" dirty="0"/>
-              <a:t>MNIST</a:t>
-            </a:r>
-            <a:r>
-              <a:rPr lang="zh-CN" altLang="en-US" dirty="0"/>
-              <a:t>复现：</a:t>
-            </a:r>
-            <a:endParaRPr lang="en-US" altLang="zh-CN" dirty="0"/>
-          </a:p>
-          <a:p>
-            <a:r>
-              <a:rPr lang="en-US" altLang="zh-CN" dirty="0"/>
-              <a:t>ACC:</a:t>
-            </a:r>
-            <a:r>
-              <a:rPr lang="zh-CN" altLang="en-US" dirty="0"/>
-              <a:t>97.71 </a:t>
-            </a:r>
-            <a:endParaRPr lang="en-US" altLang="zh-CN" dirty="0"/>
-          </a:p>
-          <a:p>
-            <a:r>
-              <a:rPr lang="en-US" altLang="zh-CN" dirty="0"/>
-              <a:t>NMI:</a:t>
-            </a:r>
-            <a:r>
-              <a:rPr lang="zh-CN" altLang="en-US" dirty="0"/>
-              <a:t>94.13</a:t>
-            </a:r>
-          </a:p>
-        </p:txBody>
-      </p:sp>
-      <p:sp>
-        <p:nvSpPr>
-          <p:cNvPr id="2" name="文本框 1">
-            <a:extLst>
-              <a:ext uri="{FF2B5EF4-FFF2-40B4-BE49-F238E27FC236}">
-                <a16:creationId xmlns:a16="http://schemas.microsoft.com/office/drawing/2014/main" id="{4D36553E-4BA4-4119-9893-B704764AB303}"/>
-              </a:ext>
-            </a:extLst>
-          </p:cNvPr>
-          <p:cNvSpPr txBox="1"/>
-          <p:nvPr/>
-        </p:nvSpPr>
-        <p:spPr>
-          <a:xfrm>
-            <a:off x="1327999" y="6426026"/>
-            <a:ext cx="5110508" cy="369332"/>
-          </a:xfrm>
-          <a:prstGeom prst="rect">
-            <a:avLst/>
-          </a:prstGeom>
-          <a:noFill/>
-        </p:spPr>
-        <p:txBody>
-          <a:bodyPr wrap="square" rtlCol="0">
-            <a:spAutoFit/>
-          </a:bodyPr>
-          <a:lstStyle/>
-          <a:p>
-            <a:r>
-              <a:rPr lang="zh-CN" altLang="en-US" dirty="0"/>
-              <a:t>可能原因：数据增强参数不同、跑的次数太少等</a:t>
-            </a:r>
-          </a:p>
-        </p:txBody>
-      </p:sp>
-    </p:spTree>
-    <p:extLst>
-      <p:ext uri="{BB962C8B-B14F-4D97-AF65-F5344CB8AC3E}">
-        <p14:creationId xmlns:p14="http://schemas.microsoft.com/office/powerpoint/2010/main" val="2912791927"/>
-      </p:ext>
-    </p:extLst>
-  </p:cSld>
-  <p:clrMapOvr>
-    <a:masterClrMapping/>
-  </p:clrMapOvr>
-</p:sld>
-</file>
-
-<file path=ppt/slides/slide8.xml><?xml version="1.0" encoding="utf-8"?>
-<p:sld xmlns:a="http://schemas.openxmlformats.org/drawingml/2006/main" xmlns:r="http://schemas.openxmlformats.org/officeDocument/2006/relationships" xmlns:p="http://schemas.openxmlformats.org/presentationml/2006/main">
-  <p:cSld>
-    <p:spTree>
-      <p:nvGrpSpPr>
-        <p:cNvPr id="1" name=""/>
-        <p:cNvGrpSpPr/>
-        <p:nvPr/>
-      </p:nvGrpSpPr>
-      <p:grpSpPr>
-        <a:xfrm>
-          <a:off x="0" y="0"/>
-          <a:ext cx="0" cy="0"/>
-          <a:chOff x="0" y="0"/>
-          <a:chExt cx="0" cy="0"/>
-        </a:xfrm>
-      </p:grpSpPr>
-      <p:pic>
-        <p:nvPicPr>
           <p:cNvPr id="5" name="图片 4">
             <a:extLst>
               <a:ext uri="{FF2B5EF4-FFF2-40B4-BE49-F238E27FC236}">
@@ -7190,7 +6248,7 @@
 </p:sld>
 </file>
 
-<file path=ppt/slides/slide9.xml><?xml version="1.0" encoding="utf-8"?>
+<file path=ppt/slides/slide7.xml><?xml version="1.0" encoding="utf-8"?>
 <p:sld xmlns:a="http://schemas.openxmlformats.org/drawingml/2006/main" xmlns:r="http://schemas.openxmlformats.org/officeDocument/2006/relationships" xmlns:p="http://schemas.openxmlformats.org/presentationml/2006/main">
   <p:cSld>
     <p:spTree>
